--- a/コントローラー説明書.pptx
+++ b/コントローラー説明書.pptx
@@ -243,7 +243,7 @@
           <a:p>
             <a:fld id="{E5AC3BCB-4990-47D2-9408-AD8F7647A033}" type="datetimeFigureOut">
               <a:rPr kumimoji="1" lang="ja-JP" altLang="en-US" smtClean="0"/>
-              <a:t>2023/3/16</a:t>
+              <a:t>2023/3/24</a:t>
             </a:fld>
             <a:endParaRPr kumimoji="1" lang="ja-JP" altLang="en-US"/>
           </a:p>
@@ -445,7 +445,7 @@
           <a:p>
             <a:fld id="{E5AC3BCB-4990-47D2-9408-AD8F7647A033}" type="datetimeFigureOut">
               <a:rPr kumimoji="1" lang="ja-JP" altLang="en-US" smtClean="0"/>
-              <a:t>2023/3/16</a:t>
+              <a:t>2023/3/24</a:t>
             </a:fld>
             <a:endParaRPr kumimoji="1" lang="ja-JP" altLang="en-US"/>
           </a:p>
@@ -657,7 +657,7 @@
           <a:p>
             <a:fld id="{E5AC3BCB-4990-47D2-9408-AD8F7647A033}" type="datetimeFigureOut">
               <a:rPr kumimoji="1" lang="ja-JP" altLang="en-US" smtClean="0"/>
-              <a:t>2023/3/16</a:t>
+              <a:t>2023/3/24</a:t>
             </a:fld>
             <a:endParaRPr kumimoji="1" lang="ja-JP" altLang="en-US"/>
           </a:p>
@@ -859,7 +859,7 @@
           <a:p>
             <a:fld id="{E5AC3BCB-4990-47D2-9408-AD8F7647A033}" type="datetimeFigureOut">
               <a:rPr kumimoji="1" lang="ja-JP" altLang="en-US" smtClean="0"/>
-              <a:t>2023/3/16</a:t>
+              <a:t>2023/3/24</a:t>
             </a:fld>
             <a:endParaRPr kumimoji="1" lang="ja-JP" altLang="en-US"/>
           </a:p>
@@ -1103,7 +1103,7 @@
           <a:p>
             <a:fld id="{E5AC3BCB-4990-47D2-9408-AD8F7647A033}" type="datetimeFigureOut">
               <a:rPr kumimoji="1" lang="ja-JP" altLang="en-US" smtClean="0"/>
-              <a:t>2023/3/16</a:t>
+              <a:t>2023/3/24</a:t>
             </a:fld>
             <a:endParaRPr kumimoji="1" lang="ja-JP" altLang="en-US"/>
           </a:p>
@@ -1399,7 +1399,7 @@
           <a:p>
             <a:fld id="{E5AC3BCB-4990-47D2-9408-AD8F7647A033}" type="datetimeFigureOut">
               <a:rPr kumimoji="1" lang="ja-JP" altLang="en-US" smtClean="0"/>
-              <a:t>2023/3/16</a:t>
+              <a:t>2023/3/24</a:t>
             </a:fld>
             <a:endParaRPr kumimoji="1" lang="ja-JP" altLang="en-US"/>
           </a:p>
@@ -1830,7 +1830,7 @@
           <a:p>
             <a:fld id="{E5AC3BCB-4990-47D2-9408-AD8F7647A033}" type="datetimeFigureOut">
               <a:rPr kumimoji="1" lang="ja-JP" altLang="en-US" smtClean="0"/>
-              <a:t>2023/3/16</a:t>
+              <a:t>2023/3/24</a:t>
             </a:fld>
             <a:endParaRPr kumimoji="1" lang="ja-JP" altLang="en-US"/>
           </a:p>
@@ -1948,7 +1948,7 @@
           <a:p>
             <a:fld id="{E5AC3BCB-4990-47D2-9408-AD8F7647A033}" type="datetimeFigureOut">
               <a:rPr kumimoji="1" lang="ja-JP" altLang="en-US" smtClean="0"/>
-              <a:t>2023/3/16</a:t>
+              <a:t>2023/3/24</a:t>
             </a:fld>
             <a:endParaRPr kumimoji="1" lang="ja-JP" altLang="en-US"/>
           </a:p>
@@ -2043,7 +2043,7 @@
           <a:p>
             <a:fld id="{E5AC3BCB-4990-47D2-9408-AD8F7647A033}" type="datetimeFigureOut">
               <a:rPr kumimoji="1" lang="ja-JP" altLang="en-US" smtClean="0"/>
-              <a:t>2023/3/16</a:t>
+              <a:t>2023/3/24</a:t>
             </a:fld>
             <a:endParaRPr kumimoji="1" lang="ja-JP" altLang="en-US"/>
           </a:p>
@@ -2352,7 +2352,7 @@
           <a:p>
             <a:fld id="{E5AC3BCB-4990-47D2-9408-AD8F7647A033}" type="datetimeFigureOut">
               <a:rPr kumimoji="1" lang="ja-JP" altLang="en-US" smtClean="0"/>
-              <a:t>2023/3/16</a:t>
+              <a:t>2023/3/24</a:t>
             </a:fld>
             <a:endParaRPr kumimoji="1" lang="ja-JP" altLang="en-US"/>
           </a:p>
@@ -2609,7 +2609,7 @@
           <a:p>
             <a:fld id="{E5AC3BCB-4990-47D2-9408-AD8F7647A033}" type="datetimeFigureOut">
               <a:rPr kumimoji="1" lang="ja-JP" altLang="en-US" smtClean="0"/>
-              <a:t>2023/3/16</a:t>
+              <a:t>2023/3/24</a:t>
             </a:fld>
             <a:endParaRPr kumimoji="1" lang="ja-JP" altLang="en-US"/>
           </a:p>
@@ -2854,7 +2854,7 @@
           <a:p>
             <a:fld id="{E5AC3BCB-4990-47D2-9408-AD8F7647A033}" type="datetimeFigureOut">
               <a:rPr kumimoji="1" lang="ja-JP" altLang="en-US" smtClean="0"/>
-              <a:t>2023/3/16</a:t>
+              <a:t>2023/3/24</a:t>
             </a:fld>
             <a:endParaRPr kumimoji="1" lang="ja-JP" altLang="en-US"/>
           </a:p>
@@ -3272,10 +3272,10 @@
       </p:grpSpPr>
       <p:sp>
         <p:nvSpPr>
-          <p:cNvPr id="20" name="四角形: 角を丸くする 19">
+          <p:cNvPr id="67" name="四角形: 角を丸くする 66">
             <a:extLst>
               <a:ext uri="{FF2B5EF4-FFF2-40B4-BE49-F238E27FC236}">
-                <a16:creationId xmlns:a16="http://schemas.microsoft.com/office/drawing/2014/main" id="{8FAF4F0E-B75D-475F-8263-14C9FE4D2AC7}"/>
+                <a16:creationId xmlns:a16="http://schemas.microsoft.com/office/drawing/2014/main" id="{E7CE51DD-8F2A-4980-8378-DAAA136A493B}"/>
               </a:ext>
             </a:extLst>
           </p:cNvPr>
@@ -3284,12 +3284,12 @@
         </p:nvSpPr>
         <p:spPr>
           <a:xfrm>
-            <a:off x="0" y="4308814"/>
-            <a:ext cx="6858000" cy="5597186"/>
+            <a:off x="104021" y="7092803"/>
+            <a:ext cx="6676144" cy="2741487"/>
           </a:xfrm>
           <a:prstGeom prst="roundRect">
             <a:avLst>
-              <a:gd name="adj" fmla="val 0"/>
+              <a:gd name="adj" fmla="val 7191"/>
             </a:avLst>
           </a:prstGeom>
           <a:solidFill>
@@ -3315,11 +3315,78 @@
           </a:fontRef>
         </p:style>
         <p:txBody>
-          <a:bodyPr rtlCol="0" anchor="ctr"/>
+          <a:bodyPr rtlCol="0" anchor="t" anchorCtr="0"/>
           <a:lstStyle/>
           <a:p>
             <a:pPr algn="ctr"/>
-            <a:endParaRPr kumimoji="1" lang="ja-JP" altLang="en-US" sz="3600" dirty="0"/>
+            <a:endParaRPr kumimoji="1" lang="en-US" altLang="ja-JP" sz="2400" b="1" dirty="0">
+              <a:ln>
+                <a:solidFill>
+                  <a:schemeClr val="tx1"/>
+                </a:solidFill>
+              </a:ln>
+              <a:latin typeface="+mn-ea"/>
+            </a:endParaRPr>
+          </a:p>
+        </p:txBody>
+      </p:sp>
+      <p:sp>
+        <p:nvSpPr>
+          <p:cNvPr id="57" name="四角形: 角を丸くする 56">
+            <a:extLst>
+              <a:ext uri="{FF2B5EF4-FFF2-40B4-BE49-F238E27FC236}">
+                <a16:creationId xmlns:a16="http://schemas.microsoft.com/office/drawing/2014/main" id="{04E45AE2-9E32-4242-A24D-3A01A856AED9}"/>
+              </a:ext>
+            </a:extLst>
+          </p:cNvPr>
+          <p:cNvSpPr/>
+          <p:nvPr/>
+        </p:nvSpPr>
+        <p:spPr>
+          <a:xfrm>
+            <a:off x="92631" y="4481241"/>
+            <a:ext cx="6676144" cy="2299041"/>
+          </a:xfrm>
+          <a:prstGeom prst="roundRect">
+            <a:avLst>
+              <a:gd name="adj" fmla="val 7191"/>
+            </a:avLst>
+          </a:prstGeom>
+          <a:solidFill>
+            <a:schemeClr val="bg2">
+              <a:lumMod val="75000"/>
+            </a:schemeClr>
+          </a:solidFill>
+        </p:spPr>
+        <p:style>
+          <a:lnRef idx="2">
+            <a:schemeClr val="accent1">
+              <a:shade val="50000"/>
+            </a:schemeClr>
+          </a:lnRef>
+          <a:fillRef idx="1">
+            <a:schemeClr val="accent1"/>
+          </a:fillRef>
+          <a:effectRef idx="0">
+            <a:schemeClr val="accent1"/>
+          </a:effectRef>
+          <a:fontRef idx="minor">
+            <a:schemeClr val="lt1"/>
+          </a:fontRef>
+        </p:style>
+        <p:txBody>
+          <a:bodyPr rtlCol="0" anchor="t" anchorCtr="0"/>
+          <a:lstStyle/>
+          <a:p>
+            <a:pPr algn="ctr"/>
+            <a:endParaRPr kumimoji="1" lang="en-US" altLang="ja-JP" sz="2400" b="1" dirty="0">
+              <a:ln>
+                <a:solidFill>
+                  <a:schemeClr val="tx1"/>
+                </a:solidFill>
+              </a:ln>
+              <a:latin typeface="+mn-ea"/>
+            </a:endParaRPr>
           </a:p>
         </p:txBody>
       </p:sp>
@@ -3351,8 +3418,8 @@
         </p:blipFill>
         <p:spPr>
           <a:xfrm rot="16200000">
-            <a:off x="2440559" y="3260270"/>
-            <a:ext cx="2991802" cy="3986766"/>
+            <a:off x="945068" y="4272782"/>
+            <a:ext cx="1762116" cy="2348131"/>
           </a:xfrm>
           <a:prstGeom prst="rect">
             <a:avLst/>
@@ -3382,8 +3449,8 @@
         </p:nvCxnSpPr>
         <p:spPr>
           <a:xfrm flipH="1">
-            <a:off x="1599516" y="4953000"/>
-            <a:ext cx="1168516" cy="341148"/>
+            <a:off x="1029650" y="5344134"/>
+            <a:ext cx="206146" cy="947392"/>
           </a:xfrm>
           <a:prstGeom prst="line">
             <a:avLst/>
@@ -3419,8 +3486,8 @@
         </p:nvSpPr>
         <p:spPr>
           <a:xfrm>
-            <a:off x="-19823" y="5349023"/>
-            <a:ext cx="2699699" cy="646331"/>
+            <a:off x="183477" y="6242113"/>
+            <a:ext cx="2172975" cy="523220"/>
           </a:xfrm>
           <a:prstGeom prst="rect">
             <a:avLst/>
@@ -3434,12 +3501,10 @@
           <a:lstStyle/>
           <a:p>
             <a:r>
-              <a:rPr kumimoji="1" lang="ja-JP" altLang="en-US" sz="3600" b="1" dirty="0">
+              <a:rPr kumimoji="1" lang="ja-JP" altLang="en-US" sz="2800" b="1" dirty="0">
                 <a:ln>
                   <a:solidFill>
-                    <a:schemeClr val="accent5">
-                      <a:lumMod val="75000"/>
-                    </a:schemeClr>
+                    <a:schemeClr val="tx1"/>
                   </a:solidFill>
                 </a:ln>
                 <a:solidFill>
@@ -3466,9 +3531,9 @@
           <p:nvPr/>
         </p:nvCxnSpPr>
         <p:spPr>
-          <a:xfrm flipH="1">
-            <a:off x="2768032" y="5682343"/>
-            <a:ext cx="1584156" cy="971171"/>
+          <a:xfrm>
+            <a:off x="2253216" y="5684884"/>
+            <a:ext cx="850213" cy="606642"/>
           </a:xfrm>
           <a:prstGeom prst="line">
             <a:avLst/>
@@ -3504,8 +3569,8 @@
         </p:nvSpPr>
         <p:spPr>
           <a:xfrm>
-            <a:off x="1427797" y="6606499"/>
-            <a:ext cx="2841430" cy="646331"/>
+            <a:off x="2305463" y="6257062"/>
+            <a:ext cx="2001203" cy="523220"/>
           </a:xfrm>
           <a:prstGeom prst="rect">
             <a:avLst/>
@@ -3519,12 +3584,10 @@
           <a:lstStyle/>
           <a:p>
             <a:r>
-              <a:rPr kumimoji="1" lang="ja-JP" altLang="en-US" sz="3600" b="1" dirty="0">
+              <a:rPr kumimoji="1" lang="ja-JP" altLang="en-US" sz="2800" b="1" dirty="0">
                 <a:ln>
                   <a:solidFill>
-                    <a:schemeClr val="accent5">
-                      <a:lumMod val="75000"/>
-                    </a:schemeClr>
+                    <a:schemeClr val="tx1"/>
                   </a:solidFill>
                 </a:ln>
                 <a:solidFill>
@@ -3551,9 +3614,9 @@
           <p:nvPr/>
         </p:nvCxnSpPr>
         <p:spPr>
-          <a:xfrm>
-            <a:off x="4920435" y="5274147"/>
-            <a:ext cx="709552" cy="1204513"/>
+          <a:xfrm flipH="1">
+            <a:off x="2447037" y="5416478"/>
+            <a:ext cx="651590" cy="0"/>
           </a:xfrm>
           <a:prstGeom prst="line">
             <a:avLst/>
@@ -3589,8 +3652,8 @@
         </p:nvSpPr>
         <p:spPr>
           <a:xfrm>
-            <a:off x="5697023" y="6401150"/>
-            <a:ext cx="1818297" cy="646331"/>
+            <a:off x="3039159" y="5204995"/>
+            <a:ext cx="1006517" cy="523220"/>
           </a:xfrm>
           <a:prstGeom prst="rect">
             <a:avLst/>
@@ -3604,12 +3667,10 @@
           <a:lstStyle/>
           <a:p>
             <a:r>
-              <a:rPr kumimoji="1" lang="ja-JP" altLang="en-US" sz="3600" b="1" dirty="0">
+              <a:rPr kumimoji="1" lang="ja-JP" altLang="en-US" sz="2800" b="1" dirty="0">
                 <a:ln>
                   <a:solidFill>
-                    <a:schemeClr val="accent5">
-                      <a:lumMod val="75000"/>
-                    </a:schemeClr>
+                    <a:schemeClr val="tx1"/>
                   </a:solidFill>
                 </a:ln>
                 <a:solidFill>
@@ -3636,9 +3697,9 @@
           <p:nvPr/>
         </p:nvCxnSpPr>
         <p:spPr>
-          <a:xfrm flipH="1">
-            <a:off x="4352188" y="4807131"/>
-            <a:ext cx="1191173" cy="145869"/>
+          <a:xfrm>
+            <a:off x="1269964" y="4845840"/>
+            <a:ext cx="782371" cy="423999"/>
           </a:xfrm>
           <a:prstGeom prst="line">
             <a:avLst/>
@@ -3674,8 +3735,8 @@
         </p:nvSpPr>
         <p:spPr>
           <a:xfrm>
-            <a:off x="5308190" y="4338484"/>
-            <a:ext cx="1743052" cy="646331"/>
+            <a:off x="128521" y="4493296"/>
+            <a:ext cx="1223676" cy="461665"/>
           </a:xfrm>
           <a:prstGeom prst="rect">
             <a:avLst/>
@@ -3688,13 +3749,12 @@
           </a:bodyPr>
           <a:lstStyle/>
           <a:p>
-            <a:r>
-              <a:rPr kumimoji="1" lang="ja-JP" altLang="en-US" sz="3600" b="1" dirty="0">
+            <a:pPr algn="ctr"/>
+            <a:r>
+              <a:rPr kumimoji="1" lang="ja-JP" altLang="en-US" sz="2400" b="1" dirty="0">
                 <a:ln>
                   <a:solidFill>
-                    <a:schemeClr val="accent5">
-                      <a:lumMod val="75000"/>
-                    </a:schemeClr>
+                    <a:schemeClr val="tx1"/>
                   </a:solidFill>
                 </a:ln>
                 <a:solidFill>
@@ -3720,7 +3780,7 @@
           </p:cNvPicPr>
           <p:nvPr/>
         </p:nvPicPr>
-        <p:blipFill>
+        <p:blipFill rotWithShape="1">
           <a:blip r:embed="rId3">
             <a:extLst>
               <a:ext uri="{28A0092B-C50C-407E-A947-70E740481C1C}">
@@ -3728,14 +3788,13 @@
               </a:ext>
             </a:extLst>
           </a:blip>
-          <a:stretch>
-            <a:fillRect/>
-          </a:stretch>
+          <a:srcRect b="38402"/>
+          <a:stretch/>
         </p:blipFill>
         <p:spPr>
           <a:xfrm>
-            <a:off x="2033254" y="7374924"/>
-            <a:ext cx="3257829" cy="2228012"/>
+            <a:off x="4122055" y="4714412"/>
+            <a:ext cx="2293611" cy="966218"/>
           </a:xfrm>
           <a:prstGeom prst="rect">
             <a:avLst/>
@@ -3764,9 +3823,9 @@
           <p:nvPr/>
         </p:nvCxnSpPr>
         <p:spPr>
-          <a:xfrm flipH="1">
-            <a:off x="1912278" y="8311513"/>
-            <a:ext cx="295735" cy="618175"/>
+          <a:xfrm>
+            <a:off x="4400023" y="5375525"/>
+            <a:ext cx="266812" cy="483399"/>
           </a:xfrm>
           <a:prstGeom prst="line">
             <a:avLst/>
@@ -3802,8 +3861,8 @@
         </p:nvSpPr>
         <p:spPr>
           <a:xfrm>
-            <a:off x="985465" y="8929688"/>
-            <a:ext cx="2443535" cy="646331"/>
+            <a:off x="3924660" y="5806336"/>
+            <a:ext cx="1774523" cy="523220"/>
           </a:xfrm>
           <a:prstGeom prst="rect">
             <a:avLst/>
@@ -3816,13 +3875,12 @@
           </a:bodyPr>
           <a:lstStyle/>
           <a:p>
-            <a:r>
-              <a:rPr kumimoji="1" lang="ja-JP" altLang="en-US" sz="3600" b="1" dirty="0">
+            <a:pPr algn="ctr"/>
+            <a:r>
+              <a:rPr kumimoji="1" lang="ja-JP" altLang="en-US" sz="2800" b="1" dirty="0">
                 <a:ln>
                   <a:solidFill>
-                    <a:schemeClr val="accent5">
-                      <a:lumMod val="75000"/>
-                    </a:schemeClr>
+                    <a:schemeClr val="tx1"/>
                   </a:solidFill>
                 </a:ln>
                 <a:solidFill>
@@ -3850,8 +3908,8 @@
         </p:nvCxnSpPr>
         <p:spPr>
           <a:xfrm>
-            <a:off x="4836747" y="8179602"/>
-            <a:ext cx="454336" cy="865669"/>
+            <a:off x="6045213" y="5314324"/>
+            <a:ext cx="0" cy="977202"/>
           </a:xfrm>
           <a:prstGeom prst="line">
             <a:avLst/>
@@ -3887,8 +3945,8 @@
         </p:nvSpPr>
         <p:spPr>
           <a:xfrm>
-            <a:off x="4645854" y="9045271"/>
-            <a:ext cx="2096366" cy="646331"/>
+            <a:off x="5151548" y="6239652"/>
+            <a:ext cx="1368866" cy="523220"/>
           </a:xfrm>
           <a:prstGeom prst="rect">
             <a:avLst/>
@@ -3901,13 +3959,12 @@
           </a:bodyPr>
           <a:lstStyle/>
           <a:p>
-            <a:r>
-              <a:rPr kumimoji="1" lang="ja-JP" altLang="en-US" sz="3600" b="1" dirty="0">
+            <a:pPr algn="ctr"/>
+            <a:r>
+              <a:rPr kumimoji="1" lang="ja-JP" altLang="en-US" sz="2800" b="1" dirty="0">
                 <a:ln>
                   <a:solidFill>
-                    <a:schemeClr val="accent5">
-                      <a:lumMod val="75000"/>
-                    </a:schemeClr>
+                    <a:schemeClr val="tx1"/>
                   </a:solidFill>
                 </a:ln>
                 <a:solidFill>
@@ -3947,8 +4004,8 @@
         </p:blipFill>
         <p:spPr>
           <a:xfrm>
-            <a:off x="0" y="0"/>
-            <a:ext cx="1912278" cy="2451335"/>
+            <a:off x="-1" y="0"/>
+            <a:ext cx="2142301" cy="2746200"/>
           </a:xfrm>
           <a:prstGeom prst="rect">
             <a:avLst/>
@@ -3969,8 +4026,8 @@
         </p:nvSpPr>
         <p:spPr>
           <a:xfrm>
-            <a:off x="2208012" y="617504"/>
-            <a:ext cx="4288353" cy="2000548"/>
+            <a:off x="2633976" y="81472"/>
+            <a:ext cx="3570208" cy="1107996"/>
           </a:xfrm>
           <a:prstGeom prst="rect">
             <a:avLst/>
@@ -3992,24 +4049,19 @@
           <a:p>
             <a:pPr algn="ctr"/>
             <a:r>
-              <a:rPr kumimoji="1" lang="ja-JP" altLang="en-US" sz="8000" b="1" dirty="0">
+              <a:rPr kumimoji="1" lang="ja-JP" altLang="en-US" sz="6600" b="1" u="sng" dirty="0">
                 <a:solidFill>
                   <a:schemeClr val="bg1"/>
                 </a:solidFill>
+                <a:latin typeface="+mn-ea"/>
               </a:rPr>
               <a:t>操作説明</a:t>
             </a:r>
-            <a:endParaRPr kumimoji="1" lang="en-US" altLang="ja-JP" sz="8000" b="1" dirty="0">
+            <a:endParaRPr kumimoji="1" lang="en-US" altLang="ja-JP" sz="6600" b="1" u="sng" dirty="0">
               <a:solidFill>
                 <a:schemeClr val="bg1"/>
               </a:solidFill>
-            </a:endParaRPr>
-          </a:p>
-          <a:p>
-            <a:endParaRPr kumimoji="1" lang="ja-JP" altLang="en-US" sz="4400" dirty="0">
-              <a:solidFill>
-                <a:schemeClr val="bg1"/>
-              </a:solidFill>
+              <a:latin typeface="+mn-ea"/>
             </a:endParaRPr>
           </a:p>
         </p:txBody>
@@ -4028,8 +4080,8 @@
         </p:nvSpPr>
         <p:spPr>
           <a:xfrm>
-            <a:off x="0" y="2548231"/>
-            <a:ext cx="6858000" cy="1516396"/>
+            <a:off x="2253215" y="1242778"/>
+            <a:ext cx="4407775" cy="2975925"/>
           </a:xfrm>
           <a:prstGeom prst="roundRect">
             <a:avLst>
@@ -4059,67 +4111,2069 @@
           </a:fontRef>
         </p:style>
         <p:txBody>
-          <a:bodyPr rtlCol="0" anchor="ctr"/>
+          <a:bodyPr rtlCol="0" anchor="t" anchorCtr="0"/>
           <a:lstStyle/>
           <a:p>
             <a:pPr algn="ctr"/>
-            <a:r>
-              <a:rPr kumimoji="1" lang="en-US" altLang="ja-JP" sz="4400" b="1" dirty="0">
+            <a:endParaRPr kumimoji="1" lang="en-US" altLang="ja-JP" sz="2400" b="1" dirty="0">
+              <a:ln>
+                <a:solidFill>
+                  <a:schemeClr val="tx1"/>
+                </a:solidFill>
+              </a:ln>
+              <a:latin typeface="+mn-ea"/>
+            </a:endParaRPr>
+          </a:p>
+          <a:p>
+            <a:pPr algn="ctr"/>
+            <a:endParaRPr kumimoji="1" lang="en-US" altLang="ja-JP" sz="900" b="1" dirty="0">
+              <a:ln>
+                <a:solidFill>
+                  <a:schemeClr val="tx1"/>
+                </a:solidFill>
+              </a:ln>
+              <a:latin typeface="+mn-ea"/>
+            </a:endParaRPr>
+          </a:p>
+          <a:p>
+            <a:pPr algn="ctr"/>
+            <a:r>
+              <a:rPr kumimoji="1" lang="ja-JP" altLang="en-US" sz="2400" b="1" u="sng" dirty="0">
                 <a:ln>
                   <a:solidFill>
-                    <a:schemeClr val="accent5">
-                      <a:lumMod val="75000"/>
-                    </a:schemeClr>
+                    <a:schemeClr val="tx1"/>
                   </a:solidFill>
                 </a:ln>
+                <a:latin typeface="+mn-ea"/>
               </a:rPr>
-              <a:t>4</a:t>
-            </a:r>
-            <a:r>
-              <a:rPr kumimoji="1" lang="ja-JP" altLang="en-US" sz="4400" b="1" dirty="0">
+              <a:t>肝試しで来た廃墟からの脱出</a:t>
+            </a:r>
+          </a:p>
+        </p:txBody>
+      </p:sp>
+      <p:grpSp>
+        <p:nvGrpSpPr>
+          <p:cNvPr id="56" name="グループ化 55">
+            <a:extLst>
+              <a:ext uri="{FF2B5EF4-FFF2-40B4-BE49-F238E27FC236}">
+                <a16:creationId xmlns:a16="http://schemas.microsoft.com/office/drawing/2014/main" id="{5D0416B0-B1F1-4123-A005-C1B02522ED4E}"/>
+              </a:ext>
+            </a:extLst>
+          </p:cNvPr>
+          <p:cNvGrpSpPr/>
+          <p:nvPr/>
+        </p:nvGrpSpPr>
+        <p:grpSpPr>
+          <a:xfrm>
+            <a:off x="2216670" y="2376612"/>
+            <a:ext cx="4197293" cy="1756203"/>
+            <a:chOff x="2216670" y="2273100"/>
+            <a:chExt cx="4197293" cy="1756203"/>
+          </a:xfrm>
+        </p:grpSpPr>
+        <p:pic>
+          <p:nvPicPr>
+            <p:cNvPr id="11" name="図 10">
+              <a:extLst>
+                <a:ext uri="{FF2B5EF4-FFF2-40B4-BE49-F238E27FC236}">
+                  <a16:creationId xmlns:a16="http://schemas.microsoft.com/office/drawing/2014/main" id="{1052F2C6-728C-47DE-93CF-9E61F4BA6FF9}"/>
+                </a:ext>
+              </a:extLst>
+            </p:cNvPr>
+            <p:cNvPicPr>
+              <a:picLocks noChangeAspect="1"/>
+            </p:cNvPicPr>
+            <p:nvPr/>
+          </p:nvPicPr>
+          <p:blipFill rotWithShape="1">
+            <a:blip r:embed="rId5">
+              <a:extLst>
+                <a:ext uri="{28A0092B-C50C-407E-A947-70E740481C1C}">
+                  <a14:useLocalDpi xmlns:a14="http://schemas.microsoft.com/office/drawing/2010/main" val="0"/>
+                </a:ext>
+              </a:extLst>
+            </a:blip>
+            <a:srcRect l="36778" t="26483" r="29880" b="24905"/>
+            <a:stretch/>
+          </p:blipFill>
+          <p:spPr>
+            <a:xfrm>
+              <a:off x="4617568" y="2674760"/>
+              <a:ext cx="1796395" cy="1354543"/>
+            </a:xfrm>
+            <a:prstGeom prst="rect">
+              <a:avLst/>
+            </a:prstGeom>
+            <a:ln w="19050">
+              <a:solidFill>
+                <a:schemeClr val="bg1"/>
+              </a:solidFill>
+            </a:ln>
+          </p:spPr>
+        </p:pic>
+        <p:sp>
+          <p:nvSpPr>
+            <p:cNvPr id="53" name="テキスト ボックス 52">
+              <a:extLst>
+                <a:ext uri="{FF2B5EF4-FFF2-40B4-BE49-F238E27FC236}">
+                  <a16:creationId xmlns:a16="http://schemas.microsoft.com/office/drawing/2014/main" id="{FB9AA8DD-8676-4E90-B5AD-408C346ED111}"/>
+                </a:ext>
+              </a:extLst>
+            </p:cNvPr>
+            <p:cNvSpPr txBox="1"/>
+            <p:nvPr/>
+          </p:nvSpPr>
+          <p:spPr>
+            <a:xfrm>
+              <a:off x="2216670" y="2273100"/>
+              <a:ext cx="2749376" cy="1015663"/>
+            </a:xfrm>
+            <a:prstGeom prst="rect">
+              <a:avLst/>
+            </a:prstGeom>
+            <a:noFill/>
+          </p:spPr>
+          <p:txBody>
+            <a:bodyPr wrap="square" rtlCol="0">
+              <a:spAutoFit/>
+            </a:bodyPr>
+            <a:lstStyle/>
+            <a:p>
+              <a:r>
+                <a:rPr kumimoji="1" lang="ja-JP" altLang="en-US" sz="2000" b="1" dirty="0">
+                  <a:ln>
+                    <a:solidFill>
+                      <a:schemeClr val="tx1"/>
+                    </a:solidFill>
+                  </a:ln>
+                  <a:solidFill>
+                    <a:schemeClr val="bg1"/>
+                  </a:solidFill>
+                  <a:latin typeface="+mn-ea"/>
+                </a:rPr>
+                <a:t>マップのどこかに</a:t>
+              </a:r>
+              <a:endParaRPr kumimoji="1" lang="en-US" altLang="ja-JP" sz="2000" b="1" dirty="0">
                 <a:ln>
                   <a:solidFill>
-                    <a:schemeClr val="accent5">
-                      <a:lumMod val="75000"/>
-                    </a:schemeClr>
+                    <a:schemeClr val="tx1"/>
                   </a:solidFill>
                 </a:ln>
+                <a:solidFill>
+                  <a:schemeClr val="bg1"/>
+                </a:solidFill>
+                <a:latin typeface="+mn-ea"/>
+              </a:endParaRPr>
+            </a:p>
+            <a:p>
+              <a:r>
+                <a:rPr kumimoji="1" lang="ja-JP" altLang="en-US" sz="2000" b="1" dirty="0">
+                  <a:ln>
+                    <a:solidFill>
+                      <a:schemeClr val="tx1"/>
+                    </a:solidFill>
+                  </a:ln>
+                  <a:solidFill>
+                    <a:schemeClr val="bg1"/>
+                  </a:solidFill>
+                  <a:latin typeface="+mn-ea"/>
+                </a:rPr>
+                <a:t>落ちている鍵を</a:t>
+              </a:r>
+              <a:endParaRPr kumimoji="1" lang="en-US" altLang="ja-JP" sz="2000" b="1" dirty="0">
+                <a:ln>
+                  <a:solidFill>
+                    <a:schemeClr val="tx1"/>
+                  </a:solidFill>
+                </a:ln>
+                <a:solidFill>
+                  <a:schemeClr val="bg1"/>
+                </a:solidFill>
+                <a:latin typeface="+mn-ea"/>
+              </a:endParaRPr>
+            </a:p>
+            <a:p>
+              <a:r>
+                <a:rPr kumimoji="1" lang="ja-JP" altLang="en-US" sz="2000" b="1" dirty="0">
+                  <a:ln>
+                    <a:solidFill>
+                      <a:schemeClr val="tx1"/>
+                    </a:solidFill>
+                  </a:ln>
+                  <a:solidFill>
+                    <a:schemeClr val="bg1"/>
+                  </a:solidFill>
+                  <a:latin typeface="+mn-ea"/>
+                </a:rPr>
+                <a:t>使用すると扉が開く</a:t>
+              </a:r>
+            </a:p>
+          </p:txBody>
+        </p:sp>
+        <p:sp>
+          <p:nvSpPr>
+            <p:cNvPr id="54" name="矢印: 上向き折線 53">
+              <a:extLst>
+                <a:ext uri="{FF2B5EF4-FFF2-40B4-BE49-F238E27FC236}">
+                  <a16:creationId xmlns:a16="http://schemas.microsoft.com/office/drawing/2014/main" id="{B7A5B26A-F584-4BBD-874F-A5FBFD617C40}"/>
+                </a:ext>
+              </a:extLst>
+            </p:cNvPr>
+            <p:cNvSpPr/>
+            <p:nvPr/>
+          </p:nvSpPr>
+          <p:spPr>
+            <a:xfrm rot="5400000">
+              <a:off x="3383741" y="2857612"/>
+              <a:ext cx="747987" cy="1437151"/>
+            </a:xfrm>
+            <a:prstGeom prst="bentUpArrow">
+              <a:avLst>
+                <a:gd name="adj1" fmla="val 17534"/>
+                <a:gd name="adj2" fmla="val 25000"/>
+                <a:gd name="adj3" fmla="val 36733"/>
+              </a:avLst>
+            </a:prstGeom>
+            <a:solidFill>
+              <a:schemeClr val="bg1"/>
+            </a:solidFill>
+            <a:ln>
+              <a:solidFill>
+                <a:schemeClr val="tx1"/>
+              </a:solidFill>
+            </a:ln>
+          </p:spPr>
+          <p:style>
+            <a:lnRef idx="2">
+              <a:schemeClr val="accent1">
+                <a:shade val="50000"/>
+              </a:schemeClr>
+            </a:lnRef>
+            <a:fillRef idx="1">
+              <a:schemeClr val="accent1"/>
+            </a:fillRef>
+            <a:effectRef idx="0">
+              <a:schemeClr val="accent1"/>
+            </a:effectRef>
+            <a:fontRef idx="minor">
+              <a:schemeClr val="lt1"/>
+            </a:fontRef>
+          </p:style>
+          <p:txBody>
+            <a:bodyPr rtlCol="0" anchor="ctr"/>
+            <a:lstStyle/>
+            <a:p>
+              <a:pPr algn="ctr"/>
+              <a:endParaRPr kumimoji="1" lang="ja-JP" altLang="en-US"/>
+            </a:p>
+          </p:txBody>
+        </p:sp>
+        <p:pic>
+          <p:nvPicPr>
+            <p:cNvPr id="3" name="図 2">
+              <a:extLst>
+                <a:ext uri="{FF2B5EF4-FFF2-40B4-BE49-F238E27FC236}">
+                  <a16:creationId xmlns:a16="http://schemas.microsoft.com/office/drawing/2014/main" id="{4652A47F-114E-481F-BD69-81CFB41B1961}"/>
+                </a:ext>
+              </a:extLst>
+            </p:cNvPr>
+            <p:cNvPicPr>
+              <a:picLocks noChangeAspect="1"/>
+            </p:cNvPicPr>
+            <p:nvPr/>
+          </p:nvPicPr>
+          <p:blipFill>
+            <a:blip r:embed="rId6">
+              <a:extLst>
+                <a:ext uri="{28A0092B-C50C-407E-A947-70E740481C1C}">
+                  <a14:useLocalDpi xmlns:a14="http://schemas.microsoft.com/office/drawing/2010/main" val="0"/>
+                </a:ext>
+              </a:extLst>
+            </a:blip>
+            <a:stretch>
+              <a:fillRect/>
+            </a:stretch>
+          </p:blipFill>
+          <p:spPr>
+            <a:xfrm rot="468054">
+              <a:off x="3333015" y="3302288"/>
+              <a:ext cx="723169" cy="446401"/>
+            </a:xfrm>
+            <a:prstGeom prst="rect">
+              <a:avLst/>
+            </a:prstGeom>
+            <a:effectLst>
+              <a:glow rad="38100">
+                <a:srgbClr val="7030A0"/>
+              </a:glow>
+            </a:effectLst>
+          </p:spPr>
+        </p:pic>
+      </p:grpSp>
+      <p:sp>
+        <p:nvSpPr>
+          <p:cNvPr id="55" name="八角形 54">
+            <a:extLst>
+              <a:ext uri="{FF2B5EF4-FFF2-40B4-BE49-F238E27FC236}">
+                <a16:creationId xmlns:a16="http://schemas.microsoft.com/office/drawing/2014/main" id="{19D04A96-026D-4216-BCD9-CE993D340EA6}"/>
+              </a:ext>
+            </a:extLst>
+          </p:cNvPr>
+          <p:cNvSpPr/>
+          <p:nvPr/>
+        </p:nvSpPr>
+        <p:spPr>
+          <a:xfrm>
+            <a:off x="3635407" y="1119802"/>
+            <a:ext cx="1607151" cy="558504"/>
+          </a:xfrm>
+          <a:prstGeom prst="octagon">
+            <a:avLst/>
+          </a:prstGeom>
+          <a:solidFill>
+            <a:schemeClr val="bg1"/>
+          </a:solidFill>
+          <a:ln w="38100">
+            <a:solidFill>
+              <a:schemeClr val="tx1"/>
+            </a:solidFill>
+          </a:ln>
+        </p:spPr>
+        <p:style>
+          <a:lnRef idx="2">
+            <a:schemeClr val="accent1">
+              <a:shade val="50000"/>
+            </a:schemeClr>
+          </a:lnRef>
+          <a:fillRef idx="1">
+            <a:schemeClr val="accent1"/>
+          </a:fillRef>
+          <a:effectRef idx="0">
+            <a:schemeClr val="accent1"/>
+          </a:effectRef>
+          <a:fontRef idx="minor">
+            <a:schemeClr val="lt1"/>
+          </a:fontRef>
+        </p:style>
+        <p:txBody>
+          <a:bodyPr rtlCol="0" anchor="ctr"/>
+          <a:lstStyle/>
+          <a:p>
+            <a:pPr algn="ctr"/>
+            <a:r>
+              <a:rPr kumimoji="1" lang="ja-JP" altLang="en-US" sz="3200" b="1" dirty="0">
+                <a:ln>
+                  <a:solidFill>
+                    <a:schemeClr val="tx1"/>
+                  </a:solidFill>
+                </a:ln>
+                <a:solidFill>
+                  <a:schemeClr val="tx1"/>
+                </a:solidFill>
               </a:rPr>
-              <a:t>分以内にカードキーを</a:t>
-            </a:r>
-            <a:endParaRPr kumimoji="1" lang="en-US" altLang="ja-JP" sz="4400" b="1" dirty="0">
+              <a:t>目的</a:t>
+            </a:r>
+          </a:p>
+        </p:txBody>
+      </p:sp>
+      <p:sp>
+        <p:nvSpPr>
+          <p:cNvPr id="64" name="八角形 63">
+            <a:extLst>
+              <a:ext uri="{FF2B5EF4-FFF2-40B4-BE49-F238E27FC236}">
+                <a16:creationId xmlns:a16="http://schemas.microsoft.com/office/drawing/2014/main" id="{763D02DD-D67B-48D8-8AB5-6CE1666B912E}"/>
+              </a:ext>
+            </a:extLst>
+          </p:cNvPr>
+          <p:cNvSpPr/>
+          <p:nvPr/>
+        </p:nvSpPr>
+        <p:spPr>
+          <a:xfrm>
+            <a:off x="2095500" y="4272169"/>
+            <a:ext cx="2013034" cy="555410"/>
+          </a:xfrm>
+          <a:prstGeom prst="octagon">
+            <a:avLst/>
+          </a:prstGeom>
+          <a:solidFill>
+            <a:schemeClr val="bg1"/>
+          </a:solidFill>
+          <a:ln w="38100">
+            <a:solidFill>
+              <a:schemeClr val="tx1"/>
+            </a:solidFill>
+          </a:ln>
+        </p:spPr>
+        <p:style>
+          <a:lnRef idx="2">
+            <a:schemeClr val="accent1">
+              <a:shade val="50000"/>
+            </a:schemeClr>
+          </a:lnRef>
+          <a:fillRef idx="1">
+            <a:schemeClr val="accent1"/>
+          </a:fillRef>
+          <a:effectRef idx="0">
+            <a:schemeClr val="accent1"/>
+          </a:effectRef>
+          <a:fontRef idx="minor">
+            <a:schemeClr val="lt1"/>
+          </a:fontRef>
+        </p:style>
+        <p:txBody>
+          <a:bodyPr rtlCol="0" anchor="ctr"/>
+          <a:lstStyle/>
+          <a:p>
+            <a:pPr algn="ctr"/>
+            <a:r>
+              <a:rPr kumimoji="1" lang="ja-JP" altLang="en-US" sz="2800" b="1" dirty="0">
+                <a:ln>
+                  <a:solidFill>
+                    <a:schemeClr val="tx1"/>
+                  </a:solidFill>
+                </a:ln>
+                <a:solidFill>
+                  <a:schemeClr val="tx1"/>
+                </a:solidFill>
+              </a:rPr>
+              <a:t>基本操作</a:t>
+            </a:r>
+          </a:p>
+        </p:txBody>
+      </p:sp>
+      <p:sp>
+        <p:nvSpPr>
+          <p:cNvPr id="66" name="八角形 65">
+            <a:extLst>
+              <a:ext uri="{FF2B5EF4-FFF2-40B4-BE49-F238E27FC236}">
+                <a16:creationId xmlns:a16="http://schemas.microsoft.com/office/drawing/2014/main" id="{B79CCD02-9FF1-4AB7-9655-6B1587ED7B3D}"/>
+              </a:ext>
+            </a:extLst>
+          </p:cNvPr>
+          <p:cNvSpPr/>
+          <p:nvPr/>
+        </p:nvSpPr>
+        <p:spPr>
+          <a:xfrm>
+            <a:off x="2305463" y="6837681"/>
+            <a:ext cx="2310876" cy="555410"/>
+          </a:xfrm>
+          <a:prstGeom prst="octagon">
+            <a:avLst/>
+          </a:prstGeom>
+          <a:solidFill>
+            <a:schemeClr val="bg1"/>
+          </a:solidFill>
+          <a:ln w="38100">
+            <a:solidFill>
+              <a:schemeClr val="tx1"/>
+            </a:solidFill>
+          </a:ln>
+        </p:spPr>
+        <p:style>
+          <a:lnRef idx="2">
+            <a:schemeClr val="accent1">
+              <a:shade val="50000"/>
+            </a:schemeClr>
+          </a:lnRef>
+          <a:fillRef idx="1">
+            <a:schemeClr val="accent1"/>
+          </a:fillRef>
+          <a:effectRef idx="0">
+            <a:schemeClr val="accent1"/>
+          </a:effectRef>
+          <a:fontRef idx="minor">
+            <a:schemeClr val="lt1"/>
+          </a:fontRef>
+        </p:style>
+        <p:txBody>
+          <a:bodyPr rtlCol="0" anchor="ctr"/>
+          <a:lstStyle/>
+          <a:p>
+            <a:pPr algn="ctr"/>
+            <a:r>
+              <a:rPr kumimoji="1" lang="ja-JP" altLang="en-US" sz="2800" b="1" dirty="0">
+                <a:ln>
+                  <a:solidFill>
+                    <a:schemeClr val="tx1"/>
+                  </a:solidFill>
+                </a:ln>
+                <a:solidFill>
+                  <a:schemeClr val="tx1"/>
+                </a:solidFill>
+              </a:rPr>
+              <a:t>仕様</a:t>
+            </a:r>
+          </a:p>
+        </p:txBody>
+      </p:sp>
+      <p:sp>
+        <p:nvSpPr>
+          <p:cNvPr id="68" name="テキスト ボックス 67">
+            <a:extLst>
+              <a:ext uri="{FF2B5EF4-FFF2-40B4-BE49-F238E27FC236}">
+                <a16:creationId xmlns:a16="http://schemas.microsoft.com/office/drawing/2014/main" id="{37553073-51C9-4256-8733-D06D47FE434C}"/>
+              </a:ext>
+            </a:extLst>
+          </p:cNvPr>
+          <p:cNvSpPr txBox="1"/>
+          <p:nvPr/>
+        </p:nvSpPr>
+        <p:spPr>
+          <a:xfrm>
+            <a:off x="272940" y="7379073"/>
+            <a:ext cx="3835594" cy="1015663"/>
+          </a:xfrm>
+          <a:prstGeom prst="rect">
+            <a:avLst/>
+          </a:prstGeom>
+          <a:noFill/>
+        </p:spPr>
+        <p:txBody>
+          <a:bodyPr wrap="square" rtlCol="0">
+            <a:spAutoFit/>
+          </a:bodyPr>
+          <a:lstStyle/>
+          <a:p>
+            <a:r>
+              <a:rPr kumimoji="1" lang="ja-JP" altLang="en-US" sz="2000" b="1" dirty="0">
+                <a:ln w="6350">
+                  <a:solidFill>
+                    <a:schemeClr val="tx1"/>
+                  </a:solidFill>
+                </a:ln>
+                <a:solidFill>
+                  <a:schemeClr val="bg1"/>
+                </a:solidFill>
+                <a:latin typeface="+mn-ea"/>
+              </a:rPr>
+              <a:t>敵は視界にプレイヤーが入るか近くで足音を鳴った場合に</a:t>
+            </a:r>
+            <a:endParaRPr kumimoji="1" lang="en-US" altLang="ja-JP" sz="2000" b="1" dirty="0">
+              <a:ln w="6350">
+                <a:solidFill>
+                  <a:schemeClr val="tx1"/>
+                </a:solidFill>
+              </a:ln>
+              <a:solidFill>
+                <a:schemeClr val="bg1"/>
+              </a:solidFill>
+              <a:latin typeface="+mn-ea"/>
+            </a:endParaRPr>
+          </a:p>
+          <a:p>
+            <a:r>
+              <a:rPr kumimoji="1" lang="ja-JP" altLang="en-US" sz="2000" b="1" dirty="0">
+                <a:ln w="6350">
+                  <a:solidFill>
+                    <a:schemeClr val="tx1"/>
+                  </a:solidFill>
+                </a:ln>
+                <a:solidFill>
+                  <a:schemeClr val="bg1"/>
+                </a:solidFill>
+                <a:latin typeface="+mn-ea"/>
+              </a:rPr>
+              <a:t>プレイヤーを追跡する</a:t>
+            </a:r>
+          </a:p>
+        </p:txBody>
+      </p:sp>
+      <p:sp>
+        <p:nvSpPr>
+          <p:cNvPr id="69" name="楕円 68">
+            <a:extLst>
+              <a:ext uri="{FF2B5EF4-FFF2-40B4-BE49-F238E27FC236}">
+                <a16:creationId xmlns:a16="http://schemas.microsoft.com/office/drawing/2014/main" id="{3EC6697D-891C-4CDA-8039-44D914C2A14A}"/>
+              </a:ext>
+            </a:extLst>
+          </p:cNvPr>
+          <p:cNvSpPr/>
+          <p:nvPr/>
+        </p:nvSpPr>
+        <p:spPr>
+          <a:xfrm>
+            <a:off x="5797287" y="7697128"/>
+            <a:ext cx="372079" cy="362669"/>
+          </a:xfrm>
+          <a:prstGeom prst="ellipse">
+            <a:avLst/>
+          </a:prstGeom>
+          <a:solidFill>
+            <a:schemeClr val="tx1"/>
+          </a:solidFill>
+          <a:ln w="19050">
+            <a:solidFill>
+              <a:srgbClr val="FF0000"/>
+            </a:solidFill>
+          </a:ln>
+        </p:spPr>
+        <p:style>
+          <a:lnRef idx="2">
+            <a:schemeClr val="accent1">
+              <a:shade val="50000"/>
+            </a:schemeClr>
+          </a:lnRef>
+          <a:fillRef idx="1">
+            <a:schemeClr val="accent1"/>
+          </a:fillRef>
+          <a:effectRef idx="0">
+            <a:schemeClr val="accent1"/>
+          </a:effectRef>
+          <a:fontRef idx="minor">
+            <a:schemeClr val="lt1"/>
+          </a:fontRef>
+        </p:style>
+        <p:txBody>
+          <a:bodyPr rtlCol="0" anchor="ctr"/>
+          <a:lstStyle/>
+          <a:p>
+            <a:pPr algn="ctr"/>
+            <a:r>
+              <a:rPr kumimoji="1" lang="ja-JP" altLang="en-US" dirty="0"/>
+              <a:t>敵</a:t>
+            </a:r>
+          </a:p>
+        </p:txBody>
+      </p:sp>
+      <p:sp>
+        <p:nvSpPr>
+          <p:cNvPr id="71" name="楕円 70">
+            <a:extLst>
+              <a:ext uri="{FF2B5EF4-FFF2-40B4-BE49-F238E27FC236}">
+                <a16:creationId xmlns:a16="http://schemas.microsoft.com/office/drawing/2014/main" id="{1C4B3DD2-8D28-4326-905D-92A3C267356A}"/>
+              </a:ext>
+            </a:extLst>
+          </p:cNvPr>
+          <p:cNvSpPr/>
+          <p:nvPr/>
+        </p:nvSpPr>
+        <p:spPr>
+          <a:xfrm>
+            <a:off x="5323840" y="7207215"/>
+            <a:ext cx="1318978" cy="1342505"/>
+          </a:xfrm>
+          <a:prstGeom prst="ellipse">
+            <a:avLst/>
+          </a:prstGeom>
+          <a:noFill/>
+          <a:ln w="38100"/>
+        </p:spPr>
+        <p:style>
+          <a:lnRef idx="2">
+            <a:schemeClr val="accent1">
+              <a:shade val="50000"/>
+            </a:schemeClr>
+          </a:lnRef>
+          <a:fillRef idx="1">
+            <a:schemeClr val="accent1"/>
+          </a:fillRef>
+          <a:effectRef idx="0">
+            <a:schemeClr val="accent1"/>
+          </a:effectRef>
+          <a:fontRef idx="minor">
+            <a:schemeClr val="lt1"/>
+          </a:fontRef>
+        </p:style>
+        <p:txBody>
+          <a:bodyPr rtlCol="0" anchor="ctr"/>
+          <a:lstStyle/>
+          <a:p>
+            <a:pPr algn="ctr"/>
+            <a:endParaRPr kumimoji="1" lang="ja-JP" altLang="en-US"/>
+          </a:p>
+        </p:txBody>
+      </p:sp>
+      <p:sp>
+        <p:nvSpPr>
+          <p:cNvPr id="72" name="楕円 71">
+            <a:extLst>
+              <a:ext uri="{FF2B5EF4-FFF2-40B4-BE49-F238E27FC236}">
+                <a16:creationId xmlns:a16="http://schemas.microsoft.com/office/drawing/2014/main" id="{CCBA7920-1C9A-416A-BA70-111417F54794}"/>
+              </a:ext>
+            </a:extLst>
+          </p:cNvPr>
+          <p:cNvSpPr/>
+          <p:nvPr/>
+        </p:nvSpPr>
+        <p:spPr>
+          <a:xfrm>
+            <a:off x="5461240" y="7362191"/>
+            <a:ext cx="1044174" cy="1032545"/>
+          </a:xfrm>
+          <a:prstGeom prst="ellipse">
+            <a:avLst/>
+          </a:prstGeom>
+          <a:noFill/>
+          <a:ln w="28575"/>
+        </p:spPr>
+        <p:style>
+          <a:lnRef idx="2">
+            <a:schemeClr val="accent1">
+              <a:shade val="50000"/>
+            </a:schemeClr>
+          </a:lnRef>
+          <a:fillRef idx="1">
+            <a:schemeClr val="accent1"/>
+          </a:fillRef>
+          <a:effectRef idx="0">
+            <a:schemeClr val="accent1"/>
+          </a:effectRef>
+          <a:fontRef idx="minor">
+            <a:schemeClr val="lt1"/>
+          </a:fontRef>
+        </p:style>
+        <p:txBody>
+          <a:bodyPr rtlCol="0" anchor="ctr"/>
+          <a:lstStyle/>
+          <a:p>
+            <a:pPr algn="ctr"/>
+            <a:endParaRPr kumimoji="1" lang="ja-JP" altLang="en-US"/>
+          </a:p>
+        </p:txBody>
+      </p:sp>
+      <p:sp>
+        <p:nvSpPr>
+          <p:cNvPr id="73" name="楕円 72">
+            <a:extLst>
+              <a:ext uri="{FF2B5EF4-FFF2-40B4-BE49-F238E27FC236}">
+                <a16:creationId xmlns:a16="http://schemas.microsoft.com/office/drawing/2014/main" id="{A909D270-2CD5-4BE2-8D26-C9AF806250CC}"/>
+              </a:ext>
+            </a:extLst>
+          </p:cNvPr>
+          <p:cNvSpPr/>
+          <p:nvPr/>
+        </p:nvSpPr>
+        <p:spPr>
+          <a:xfrm>
+            <a:off x="5590666" y="7509512"/>
+            <a:ext cx="785323" cy="737905"/>
+          </a:xfrm>
+          <a:prstGeom prst="ellipse">
+            <a:avLst/>
+          </a:prstGeom>
+          <a:noFill/>
+          <a:ln w="12700"/>
+        </p:spPr>
+        <p:style>
+          <a:lnRef idx="2">
+            <a:schemeClr val="accent1">
+              <a:shade val="50000"/>
+            </a:schemeClr>
+          </a:lnRef>
+          <a:fillRef idx="1">
+            <a:schemeClr val="accent1"/>
+          </a:fillRef>
+          <a:effectRef idx="0">
+            <a:schemeClr val="accent1"/>
+          </a:effectRef>
+          <a:fontRef idx="minor">
+            <a:schemeClr val="lt1"/>
+          </a:fontRef>
+        </p:style>
+        <p:txBody>
+          <a:bodyPr rtlCol="0" anchor="ctr"/>
+          <a:lstStyle/>
+          <a:p>
+            <a:pPr algn="ctr"/>
+            <a:endParaRPr kumimoji="1" lang="ja-JP" altLang="en-US"/>
+          </a:p>
+        </p:txBody>
+      </p:sp>
+      <p:sp>
+        <p:nvSpPr>
+          <p:cNvPr id="70" name="二等辺三角形 69">
+            <a:extLst>
+              <a:ext uri="{FF2B5EF4-FFF2-40B4-BE49-F238E27FC236}">
+                <a16:creationId xmlns:a16="http://schemas.microsoft.com/office/drawing/2014/main" id="{76F27FF6-CD3E-4DB2-8285-5F793B4E5E60}"/>
+              </a:ext>
+            </a:extLst>
+          </p:cNvPr>
+          <p:cNvSpPr/>
+          <p:nvPr/>
+        </p:nvSpPr>
+        <p:spPr>
+          <a:xfrm rot="5400000">
+            <a:off x="4957610" y="7313926"/>
+            <a:ext cx="569897" cy="1109508"/>
+          </a:xfrm>
+          <a:prstGeom prst="triangle">
+            <a:avLst>
+              <a:gd name="adj" fmla="val 53566"/>
+            </a:avLst>
+          </a:prstGeom>
+          <a:solidFill>
+            <a:srgbClr val="FFFF00">
+              <a:alpha val="70000"/>
+            </a:srgbClr>
+          </a:solidFill>
+          <a:ln>
+            <a:noFill/>
+          </a:ln>
+        </p:spPr>
+        <p:style>
+          <a:lnRef idx="2">
+            <a:schemeClr val="accent1">
+              <a:shade val="50000"/>
+            </a:schemeClr>
+          </a:lnRef>
+          <a:fillRef idx="1">
+            <a:schemeClr val="accent1"/>
+          </a:fillRef>
+          <a:effectRef idx="0">
+            <a:schemeClr val="accent1"/>
+          </a:effectRef>
+          <a:fontRef idx="minor">
+            <a:schemeClr val="lt1"/>
+          </a:fontRef>
+        </p:style>
+        <p:txBody>
+          <a:bodyPr rtlCol="0" anchor="ctr"/>
+          <a:lstStyle/>
+          <a:p>
+            <a:pPr algn="ctr"/>
+            <a:endParaRPr kumimoji="1" lang="ja-JP" altLang="en-US"/>
+          </a:p>
+        </p:txBody>
+      </p:sp>
+      <p:grpSp>
+        <p:nvGrpSpPr>
+          <p:cNvPr id="79" name="グループ化 78">
+            <a:extLst>
+              <a:ext uri="{FF2B5EF4-FFF2-40B4-BE49-F238E27FC236}">
+                <a16:creationId xmlns:a16="http://schemas.microsoft.com/office/drawing/2014/main" id="{F8A7B8FA-B153-4C9D-A370-61436D2F2632}"/>
+              </a:ext>
+            </a:extLst>
+          </p:cNvPr>
+          <p:cNvGrpSpPr/>
+          <p:nvPr/>
+        </p:nvGrpSpPr>
+        <p:grpSpPr>
+          <a:xfrm>
+            <a:off x="416260" y="8514898"/>
+            <a:ext cx="484261" cy="590580"/>
+            <a:chOff x="461563" y="9204929"/>
+            <a:chExt cx="484261" cy="590580"/>
+          </a:xfrm>
+        </p:grpSpPr>
+        <p:grpSp>
+          <p:nvGrpSpPr>
+            <p:cNvPr id="77" name="グループ化 76">
+              <a:extLst>
+                <a:ext uri="{FF2B5EF4-FFF2-40B4-BE49-F238E27FC236}">
+                  <a16:creationId xmlns:a16="http://schemas.microsoft.com/office/drawing/2014/main" id="{DE746648-B3A4-40A8-9589-62C257FC54D9}"/>
+                </a:ext>
+              </a:extLst>
+            </p:cNvPr>
+            <p:cNvGrpSpPr/>
+            <p:nvPr/>
+          </p:nvGrpSpPr>
+          <p:grpSpPr>
+            <a:xfrm rot="1193903">
+              <a:off x="534894" y="9204929"/>
+              <a:ext cx="410930" cy="556657"/>
+              <a:chOff x="501753" y="9189582"/>
+              <a:chExt cx="410930" cy="556657"/>
+            </a:xfrm>
+          </p:grpSpPr>
+          <p:sp>
+            <p:nvSpPr>
+              <p:cNvPr id="75" name="正方形/長方形 74">
+                <a:extLst>
+                  <a:ext uri="{FF2B5EF4-FFF2-40B4-BE49-F238E27FC236}">
+                    <a16:creationId xmlns:a16="http://schemas.microsoft.com/office/drawing/2014/main" id="{0D613382-35BF-442D-AE51-9C12E4E38CD9}"/>
+                  </a:ext>
+                </a:extLst>
+              </p:cNvPr>
+              <p:cNvSpPr/>
+              <p:nvPr/>
+            </p:nvSpPr>
+            <p:spPr>
+              <a:xfrm>
+                <a:off x="630191" y="9282887"/>
+                <a:ext cx="143620" cy="463352"/>
+              </a:xfrm>
+              <a:prstGeom prst="rect">
+                <a:avLst/>
+              </a:prstGeom>
+              <a:solidFill>
+                <a:schemeClr val="tx1">
+                  <a:lumMod val="75000"/>
+                  <a:lumOff val="25000"/>
+                </a:schemeClr>
+              </a:solidFill>
+              <a:ln>
+                <a:noFill/>
+              </a:ln>
+            </p:spPr>
+            <p:style>
+              <a:lnRef idx="2">
+                <a:schemeClr val="accent1">
+                  <a:shade val="50000"/>
+                </a:schemeClr>
+              </a:lnRef>
+              <a:fillRef idx="1">
+                <a:schemeClr val="accent1"/>
+              </a:fillRef>
+              <a:effectRef idx="0">
+                <a:schemeClr val="accent1"/>
+              </a:effectRef>
+              <a:fontRef idx="minor">
+                <a:schemeClr val="lt1"/>
+              </a:fontRef>
+            </p:style>
+            <p:txBody>
+              <a:bodyPr rot="0" spcFirstLastPara="0" vertOverflow="overflow" horzOverflow="overflow" vert="horz" wrap="square" lIns="91440" tIns="45720" rIns="91440" bIns="45720" numCol="1" spcCol="0" rtlCol="0" fromWordArt="0" anchor="ctr" anchorCtr="0" forceAA="0" compatLnSpc="1">
+                <a:prstTxWarp prst="textNoShape">
+                  <a:avLst/>
+                </a:prstTxWarp>
+                <a:noAutofit/>
+              </a:bodyPr>
+              <a:lstStyle/>
+              <a:p>
+                <a:pPr algn="ctr"/>
+                <a:endParaRPr kumimoji="1" lang="ja-JP" altLang="en-US"/>
+              </a:p>
+            </p:txBody>
+          </p:sp>
+          <p:sp>
+            <p:nvSpPr>
+              <p:cNvPr id="76" name="楕円 75">
+                <a:extLst>
+                  <a:ext uri="{FF2B5EF4-FFF2-40B4-BE49-F238E27FC236}">
+                    <a16:creationId xmlns:a16="http://schemas.microsoft.com/office/drawing/2014/main" id="{979F5435-807B-424E-91E2-AAE6D1531C21}"/>
+                  </a:ext>
+                </a:extLst>
+              </p:cNvPr>
+              <p:cNvSpPr/>
+              <p:nvPr/>
+            </p:nvSpPr>
+            <p:spPr>
+              <a:xfrm>
+                <a:off x="501753" y="9189582"/>
+                <a:ext cx="410930" cy="186610"/>
+              </a:xfrm>
+              <a:prstGeom prst="ellipse">
+                <a:avLst/>
+              </a:prstGeom>
+              <a:solidFill>
+                <a:schemeClr val="bg2">
+                  <a:lumMod val="25000"/>
+                </a:schemeClr>
+              </a:solidFill>
+              <a:ln>
+                <a:noFill/>
+              </a:ln>
+            </p:spPr>
+            <p:style>
+              <a:lnRef idx="2">
+                <a:schemeClr val="accent1">
+                  <a:shade val="50000"/>
+                </a:schemeClr>
+              </a:lnRef>
+              <a:fillRef idx="1">
+                <a:schemeClr val="accent1"/>
+              </a:fillRef>
+              <a:effectRef idx="0">
+                <a:schemeClr val="accent1"/>
+              </a:effectRef>
+              <a:fontRef idx="minor">
+                <a:schemeClr val="lt1"/>
+              </a:fontRef>
+            </p:style>
+            <p:txBody>
+              <a:bodyPr rot="0" spcFirstLastPara="0" vertOverflow="overflow" horzOverflow="overflow" vert="horz" wrap="square" lIns="91440" tIns="45720" rIns="91440" bIns="45720" numCol="1" spcCol="0" rtlCol="0" fromWordArt="0" anchor="ctr" anchorCtr="0" forceAA="0" compatLnSpc="1">
+                <a:prstTxWarp prst="textNoShape">
+                  <a:avLst/>
+                </a:prstTxWarp>
+                <a:noAutofit/>
+              </a:bodyPr>
+              <a:lstStyle/>
+              <a:p>
+                <a:pPr algn="ctr"/>
+                <a:endParaRPr kumimoji="1" lang="ja-JP" altLang="en-US"/>
+              </a:p>
+            </p:txBody>
+          </p:sp>
+        </p:grpSp>
+        <p:sp>
+          <p:nvSpPr>
+            <p:cNvPr id="74" name="フローチャート: 論理積ゲート 73">
+              <a:extLst>
+                <a:ext uri="{FF2B5EF4-FFF2-40B4-BE49-F238E27FC236}">
+                  <a16:creationId xmlns:a16="http://schemas.microsoft.com/office/drawing/2014/main" id="{2EE3E1AD-9A6B-4366-9596-BC6E9C3D83E0}"/>
+                </a:ext>
+              </a:extLst>
+            </p:cNvPr>
+            <p:cNvSpPr/>
+            <p:nvPr/>
+          </p:nvSpPr>
+          <p:spPr>
+            <a:xfrm rot="16200000">
+              <a:off x="525748" y="9387255"/>
+              <a:ext cx="344069" cy="472440"/>
+            </a:xfrm>
+            <a:prstGeom prst="flowChartDelay">
+              <a:avLst/>
+            </a:prstGeom>
+            <a:solidFill>
+              <a:schemeClr val="bg2">
+                <a:lumMod val="10000"/>
+              </a:schemeClr>
+            </a:solidFill>
+            <a:ln>
+              <a:noFill/>
+            </a:ln>
+          </p:spPr>
+          <p:style>
+            <a:lnRef idx="2">
+              <a:schemeClr val="accent1">
+                <a:shade val="50000"/>
+              </a:schemeClr>
+            </a:lnRef>
+            <a:fillRef idx="1">
+              <a:schemeClr val="accent1"/>
+            </a:fillRef>
+            <a:effectRef idx="0">
+              <a:schemeClr val="accent1"/>
+            </a:effectRef>
+            <a:fontRef idx="minor">
+              <a:schemeClr val="lt1"/>
+            </a:fontRef>
+          </p:style>
+          <p:txBody>
+            <a:bodyPr rtlCol="0" anchor="ctr"/>
+            <a:lstStyle/>
+            <a:p>
+              <a:pPr algn="ctr"/>
+              <a:endParaRPr kumimoji="1" lang="ja-JP" altLang="en-US" dirty="0"/>
+            </a:p>
+          </p:txBody>
+        </p:sp>
+      </p:grpSp>
+      <p:sp>
+        <p:nvSpPr>
+          <p:cNvPr id="78" name="テキスト ボックス 77">
+            <a:extLst>
+              <a:ext uri="{FF2B5EF4-FFF2-40B4-BE49-F238E27FC236}">
+                <a16:creationId xmlns:a16="http://schemas.microsoft.com/office/drawing/2014/main" id="{14894974-6189-4BFD-A4F4-4430FC4CC02D}"/>
+              </a:ext>
+            </a:extLst>
+          </p:cNvPr>
+          <p:cNvSpPr txBox="1"/>
+          <p:nvPr/>
+        </p:nvSpPr>
+        <p:spPr>
+          <a:xfrm>
+            <a:off x="822821" y="8835318"/>
+            <a:ext cx="894285" cy="369332"/>
+          </a:xfrm>
+          <a:prstGeom prst="rect">
+            <a:avLst/>
+          </a:prstGeom>
+          <a:noFill/>
+        </p:spPr>
+        <p:txBody>
+          <a:bodyPr wrap="square" rtlCol="0">
+            <a:spAutoFit/>
+          </a:bodyPr>
+          <a:lstStyle/>
+          <a:p>
+            <a:r>
+              <a:rPr kumimoji="1" lang="ja-JP" altLang="en-US" b="1" dirty="0">
+                <a:ln w="6350">
+                  <a:solidFill>
+                    <a:schemeClr val="tx1"/>
+                  </a:solidFill>
+                </a:ln>
+                <a:solidFill>
+                  <a:schemeClr val="bg1"/>
+                </a:solidFill>
+              </a:rPr>
+              <a:t>忍び足</a:t>
+            </a:r>
+          </a:p>
+        </p:txBody>
+      </p:sp>
+      <p:grpSp>
+        <p:nvGrpSpPr>
+          <p:cNvPr id="81" name="グループ化 80">
+            <a:extLst>
+              <a:ext uri="{FF2B5EF4-FFF2-40B4-BE49-F238E27FC236}">
+                <a16:creationId xmlns:a16="http://schemas.microsoft.com/office/drawing/2014/main" id="{3924774C-FEA3-42AE-89AA-C80FE763523E}"/>
+              </a:ext>
+            </a:extLst>
+          </p:cNvPr>
+          <p:cNvGrpSpPr/>
+          <p:nvPr/>
+        </p:nvGrpSpPr>
+        <p:grpSpPr>
+          <a:xfrm rot="3062690">
+            <a:off x="1994690" y="8586155"/>
+            <a:ext cx="410930" cy="556657"/>
+            <a:chOff x="501753" y="9189582"/>
+            <a:chExt cx="410930" cy="556657"/>
+          </a:xfrm>
+        </p:grpSpPr>
+        <p:sp>
+          <p:nvSpPr>
+            <p:cNvPr id="83" name="正方形/長方形 82">
+              <a:extLst>
+                <a:ext uri="{FF2B5EF4-FFF2-40B4-BE49-F238E27FC236}">
+                  <a16:creationId xmlns:a16="http://schemas.microsoft.com/office/drawing/2014/main" id="{2B0189C4-6258-44E2-B6BF-807101196A52}"/>
+                </a:ext>
+              </a:extLst>
+            </p:cNvPr>
+            <p:cNvSpPr/>
+            <p:nvPr/>
+          </p:nvSpPr>
+          <p:spPr>
+            <a:xfrm>
+              <a:off x="630191" y="9282887"/>
+              <a:ext cx="143620" cy="463352"/>
+            </a:xfrm>
+            <a:prstGeom prst="rect">
+              <a:avLst/>
+            </a:prstGeom>
+            <a:solidFill>
+              <a:schemeClr val="tx1">
+                <a:lumMod val="75000"/>
+                <a:lumOff val="25000"/>
+              </a:schemeClr>
+            </a:solidFill>
+            <a:ln>
+              <a:noFill/>
+            </a:ln>
+          </p:spPr>
+          <p:style>
+            <a:lnRef idx="2">
+              <a:schemeClr val="accent1">
+                <a:shade val="50000"/>
+              </a:schemeClr>
+            </a:lnRef>
+            <a:fillRef idx="1">
+              <a:schemeClr val="accent1"/>
+            </a:fillRef>
+            <a:effectRef idx="0">
+              <a:schemeClr val="accent1"/>
+            </a:effectRef>
+            <a:fontRef idx="minor">
+              <a:schemeClr val="lt1"/>
+            </a:fontRef>
+          </p:style>
+          <p:txBody>
+            <a:bodyPr rot="0" spcFirstLastPara="0" vertOverflow="overflow" horzOverflow="overflow" vert="horz" wrap="square" lIns="91440" tIns="45720" rIns="91440" bIns="45720" numCol="1" spcCol="0" rtlCol="0" fromWordArt="0" anchor="ctr" anchorCtr="0" forceAA="0" compatLnSpc="1">
+              <a:prstTxWarp prst="textNoShape">
+                <a:avLst/>
+              </a:prstTxWarp>
+              <a:noAutofit/>
+            </a:bodyPr>
+            <a:lstStyle/>
+            <a:p>
+              <a:pPr algn="ctr"/>
+              <a:endParaRPr kumimoji="1" lang="ja-JP" altLang="en-US"/>
+            </a:p>
+          </p:txBody>
+        </p:sp>
+        <p:sp>
+          <p:nvSpPr>
+            <p:cNvPr id="84" name="楕円 83">
+              <a:extLst>
+                <a:ext uri="{FF2B5EF4-FFF2-40B4-BE49-F238E27FC236}">
+                  <a16:creationId xmlns:a16="http://schemas.microsoft.com/office/drawing/2014/main" id="{15AE1578-2952-40B1-A790-784DDF5FF451}"/>
+                </a:ext>
+              </a:extLst>
+            </p:cNvPr>
+            <p:cNvSpPr/>
+            <p:nvPr/>
+          </p:nvSpPr>
+          <p:spPr>
+            <a:xfrm>
+              <a:off x="501753" y="9189582"/>
+              <a:ext cx="410930" cy="186610"/>
+            </a:xfrm>
+            <a:prstGeom prst="ellipse">
+              <a:avLst/>
+            </a:prstGeom>
+            <a:solidFill>
+              <a:schemeClr val="bg2">
+                <a:lumMod val="25000"/>
+              </a:schemeClr>
+            </a:solidFill>
+            <a:ln>
+              <a:noFill/>
+            </a:ln>
+          </p:spPr>
+          <p:style>
+            <a:lnRef idx="2">
+              <a:schemeClr val="accent1">
+                <a:shade val="50000"/>
+              </a:schemeClr>
+            </a:lnRef>
+            <a:fillRef idx="1">
+              <a:schemeClr val="accent1"/>
+            </a:fillRef>
+            <a:effectRef idx="0">
+              <a:schemeClr val="accent1"/>
+            </a:effectRef>
+            <a:fontRef idx="minor">
+              <a:schemeClr val="lt1"/>
+            </a:fontRef>
+          </p:style>
+          <p:txBody>
+            <a:bodyPr rot="0" spcFirstLastPara="0" vertOverflow="overflow" horzOverflow="overflow" vert="horz" wrap="square" lIns="91440" tIns="45720" rIns="91440" bIns="45720" numCol="1" spcCol="0" rtlCol="0" fromWordArt="0" anchor="ctr" anchorCtr="0" forceAA="0" compatLnSpc="1">
+              <a:prstTxWarp prst="textNoShape">
+                <a:avLst/>
+              </a:prstTxWarp>
+              <a:noAutofit/>
+            </a:bodyPr>
+            <a:lstStyle/>
+            <a:p>
+              <a:pPr algn="ctr"/>
+              <a:endParaRPr kumimoji="1" lang="ja-JP" altLang="en-US"/>
+            </a:p>
+          </p:txBody>
+        </p:sp>
+      </p:grpSp>
+      <p:sp>
+        <p:nvSpPr>
+          <p:cNvPr id="82" name="フローチャート: 論理積ゲート 81">
+            <a:extLst>
+              <a:ext uri="{FF2B5EF4-FFF2-40B4-BE49-F238E27FC236}">
+                <a16:creationId xmlns:a16="http://schemas.microsoft.com/office/drawing/2014/main" id="{3EA01D1C-7B61-4F7C-A7AC-ED83DB19D425}"/>
+              </a:ext>
+            </a:extLst>
+          </p:cNvPr>
+          <p:cNvSpPr/>
+          <p:nvPr/>
+        </p:nvSpPr>
+        <p:spPr>
+          <a:xfrm rot="16200000">
+            <a:off x="1874389" y="8697225"/>
+            <a:ext cx="344069" cy="472440"/>
+          </a:xfrm>
+          <a:prstGeom prst="flowChartDelay">
+            <a:avLst/>
+          </a:prstGeom>
+          <a:solidFill>
+            <a:schemeClr val="bg2">
+              <a:lumMod val="10000"/>
+            </a:schemeClr>
+          </a:solidFill>
+          <a:ln>
+            <a:noFill/>
+          </a:ln>
+        </p:spPr>
+        <p:style>
+          <a:lnRef idx="2">
+            <a:schemeClr val="accent1">
+              <a:shade val="50000"/>
+            </a:schemeClr>
+          </a:lnRef>
+          <a:fillRef idx="1">
+            <a:schemeClr val="accent1"/>
+          </a:fillRef>
+          <a:effectRef idx="0">
+            <a:schemeClr val="accent1"/>
+          </a:effectRef>
+          <a:fontRef idx="minor">
+            <a:schemeClr val="lt1"/>
+          </a:fontRef>
+        </p:style>
+        <p:txBody>
+          <a:bodyPr rtlCol="0" anchor="ctr"/>
+          <a:lstStyle/>
+          <a:p>
+            <a:pPr algn="ctr"/>
+            <a:endParaRPr kumimoji="1" lang="ja-JP" altLang="en-US" dirty="0"/>
+          </a:p>
+        </p:txBody>
+      </p:sp>
+      <p:sp>
+        <p:nvSpPr>
+          <p:cNvPr id="85" name="テキスト ボックス 84">
+            <a:extLst>
+              <a:ext uri="{FF2B5EF4-FFF2-40B4-BE49-F238E27FC236}">
+                <a16:creationId xmlns:a16="http://schemas.microsoft.com/office/drawing/2014/main" id="{11346C64-D78B-43B7-AA83-4350C6687B42}"/>
+              </a:ext>
+            </a:extLst>
+          </p:cNvPr>
+          <p:cNvSpPr txBox="1"/>
+          <p:nvPr/>
+        </p:nvSpPr>
+        <p:spPr>
+          <a:xfrm>
+            <a:off x="2385904" y="8813688"/>
+            <a:ext cx="894285" cy="369332"/>
+          </a:xfrm>
+          <a:prstGeom prst="rect">
+            <a:avLst/>
+          </a:prstGeom>
+          <a:noFill/>
+        </p:spPr>
+        <p:txBody>
+          <a:bodyPr wrap="square" rtlCol="0">
+            <a:spAutoFit/>
+          </a:bodyPr>
+          <a:lstStyle/>
+          <a:p>
+            <a:r>
+              <a:rPr kumimoji="1" lang="ja-JP" altLang="en-US" b="1" dirty="0">
+                <a:ln w="6350">
+                  <a:solidFill>
+                    <a:schemeClr val="tx1"/>
+                  </a:solidFill>
+                </a:ln>
+                <a:solidFill>
+                  <a:schemeClr val="bg1"/>
+                </a:solidFill>
+              </a:rPr>
+              <a:t>通常</a:t>
+            </a:r>
+          </a:p>
+        </p:txBody>
+      </p:sp>
+      <p:grpSp>
+        <p:nvGrpSpPr>
+          <p:cNvPr id="86" name="グループ化 85">
+            <a:extLst>
+              <a:ext uri="{FF2B5EF4-FFF2-40B4-BE49-F238E27FC236}">
+                <a16:creationId xmlns:a16="http://schemas.microsoft.com/office/drawing/2014/main" id="{64C6EA8B-1A84-41DD-B9EF-139D78C05929}"/>
+              </a:ext>
+            </a:extLst>
+          </p:cNvPr>
+          <p:cNvGrpSpPr/>
+          <p:nvPr/>
+        </p:nvGrpSpPr>
+        <p:grpSpPr>
+          <a:xfrm rot="3062690">
+            <a:off x="3354722" y="8591556"/>
+            <a:ext cx="410930" cy="556657"/>
+            <a:chOff x="501753" y="9189582"/>
+            <a:chExt cx="410930" cy="556657"/>
+          </a:xfrm>
+        </p:grpSpPr>
+        <p:sp>
+          <p:nvSpPr>
+            <p:cNvPr id="87" name="正方形/長方形 86">
+              <a:extLst>
+                <a:ext uri="{FF2B5EF4-FFF2-40B4-BE49-F238E27FC236}">
+                  <a16:creationId xmlns:a16="http://schemas.microsoft.com/office/drawing/2014/main" id="{F77E5CCD-4997-46BA-853D-E4CAF7A3ED8F}"/>
+                </a:ext>
+              </a:extLst>
+            </p:cNvPr>
+            <p:cNvSpPr/>
+            <p:nvPr/>
+          </p:nvSpPr>
+          <p:spPr>
+            <a:xfrm>
+              <a:off x="630191" y="9282887"/>
+              <a:ext cx="143620" cy="463352"/>
+            </a:xfrm>
+            <a:prstGeom prst="rect">
+              <a:avLst/>
+            </a:prstGeom>
+            <a:solidFill>
+              <a:schemeClr val="tx1">
+                <a:lumMod val="75000"/>
+                <a:lumOff val="25000"/>
+              </a:schemeClr>
+            </a:solidFill>
+            <a:ln>
+              <a:noFill/>
+            </a:ln>
+          </p:spPr>
+          <p:style>
+            <a:lnRef idx="2">
+              <a:schemeClr val="accent1">
+                <a:shade val="50000"/>
+              </a:schemeClr>
+            </a:lnRef>
+            <a:fillRef idx="1">
+              <a:schemeClr val="accent1"/>
+            </a:fillRef>
+            <a:effectRef idx="0">
+              <a:schemeClr val="accent1"/>
+            </a:effectRef>
+            <a:fontRef idx="minor">
+              <a:schemeClr val="lt1"/>
+            </a:fontRef>
+          </p:style>
+          <p:txBody>
+            <a:bodyPr rot="0" spcFirstLastPara="0" vertOverflow="overflow" horzOverflow="overflow" vert="horz" wrap="square" lIns="91440" tIns="45720" rIns="91440" bIns="45720" numCol="1" spcCol="0" rtlCol="0" fromWordArt="0" anchor="ctr" anchorCtr="0" forceAA="0" compatLnSpc="1">
+              <a:prstTxWarp prst="textNoShape">
+                <a:avLst/>
+              </a:prstTxWarp>
+              <a:noAutofit/>
+            </a:bodyPr>
+            <a:lstStyle/>
+            <a:p>
+              <a:pPr algn="ctr"/>
+              <a:endParaRPr kumimoji="1" lang="ja-JP" altLang="en-US"/>
+            </a:p>
+          </p:txBody>
+        </p:sp>
+        <p:sp>
+          <p:nvSpPr>
+            <p:cNvPr id="88" name="楕円 87">
+              <a:extLst>
+                <a:ext uri="{FF2B5EF4-FFF2-40B4-BE49-F238E27FC236}">
+                  <a16:creationId xmlns:a16="http://schemas.microsoft.com/office/drawing/2014/main" id="{9777622B-0F7B-42A2-B978-43E3629FD073}"/>
+                </a:ext>
+              </a:extLst>
+            </p:cNvPr>
+            <p:cNvSpPr/>
+            <p:nvPr/>
+          </p:nvSpPr>
+          <p:spPr>
+            <a:xfrm>
+              <a:off x="501753" y="9189582"/>
+              <a:ext cx="410930" cy="186610"/>
+            </a:xfrm>
+            <a:prstGeom prst="ellipse">
+              <a:avLst/>
+            </a:prstGeom>
+            <a:solidFill>
+              <a:schemeClr val="bg2">
+                <a:lumMod val="25000"/>
+              </a:schemeClr>
+            </a:solidFill>
+            <a:ln>
+              <a:noFill/>
+            </a:ln>
+          </p:spPr>
+          <p:style>
+            <a:lnRef idx="2">
+              <a:schemeClr val="accent1">
+                <a:shade val="50000"/>
+              </a:schemeClr>
+            </a:lnRef>
+            <a:fillRef idx="1">
+              <a:schemeClr val="accent1"/>
+            </a:fillRef>
+            <a:effectRef idx="0">
+              <a:schemeClr val="accent1"/>
+            </a:effectRef>
+            <a:fontRef idx="minor">
+              <a:schemeClr val="lt1"/>
+            </a:fontRef>
+          </p:style>
+          <p:txBody>
+            <a:bodyPr rot="0" spcFirstLastPara="0" vertOverflow="overflow" horzOverflow="overflow" vert="horz" wrap="square" lIns="91440" tIns="45720" rIns="91440" bIns="45720" numCol="1" spcCol="0" rtlCol="0" fromWordArt="0" anchor="ctr" anchorCtr="0" forceAA="0" compatLnSpc="1">
+              <a:prstTxWarp prst="textNoShape">
+                <a:avLst/>
+              </a:prstTxWarp>
+              <a:noAutofit/>
+            </a:bodyPr>
+            <a:lstStyle/>
+            <a:p>
+              <a:pPr algn="ctr"/>
+              <a:endParaRPr kumimoji="1" lang="ja-JP" altLang="en-US"/>
+            </a:p>
+          </p:txBody>
+        </p:sp>
+      </p:grpSp>
+      <p:sp>
+        <p:nvSpPr>
+          <p:cNvPr id="89" name="フローチャート: 論理積ゲート 88">
+            <a:extLst>
+              <a:ext uri="{FF2B5EF4-FFF2-40B4-BE49-F238E27FC236}">
+                <a16:creationId xmlns:a16="http://schemas.microsoft.com/office/drawing/2014/main" id="{4C45D4C5-F55F-4A1F-A4FD-C2AA17A0302A}"/>
+              </a:ext>
+            </a:extLst>
+          </p:cNvPr>
+          <p:cNvSpPr/>
+          <p:nvPr/>
+        </p:nvSpPr>
+        <p:spPr>
+          <a:xfrm rot="16200000">
+            <a:off x="3234421" y="8702626"/>
+            <a:ext cx="344069" cy="472440"/>
+          </a:xfrm>
+          <a:prstGeom prst="flowChartDelay">
+            <a:avLst/>
+          </a:prstGeom>
+          <a:solidFill>
+            <a:schemeClr val="bg2">
+              <a:lumMod val="10000"/>
+            </a:schemeClr>
+          </a:solidFill>
+          <a:ln>
+            <a:noFill/>
+          </a:ln>
+        </p:spPr>
+        <p:style>
+          <a:lnRef idx="2">
+            <a:schemeClr val="accent1">
+              <a:shade val="50000"/>
+            </a:schemeClr>
+          </a:lnRef>
+          <a:fillRef idx="1">
+            <a:schemeClr val="accent1"/>
+          </a:fillRef>
+          <a:effectRef idx="0">
+            <a:schemeClr val="accent1"/>
+          </a:effectRef>
+          <a:fontRef idx="minor">
+            <a:schemeClr val="lt1"/>
+          </a:fontRef>
+        </p:style>
+        <p:txBody>
+          <a:bodyPr rtlCol="0" anchor="ctr"/>
+          <a:lstStyle/>
+          <a:p>
+            <a:pPr algn="ctr"/>
+            <a:endParaRPr kumimoji="1" lang="ja-JP" altLang="en-US" dirty="0"/>
+          </a:p>
+        </p:txBody>
+      </p:sp>
+      <p:sp>
+        <p:nvSpPr>
+          <p:cNvPr id="92" name="正方形/長方形 91">
+            <a:extLst>
+              <a:ext uri="{FF2B5EF4-FFF2-40B4-BE49-F238E27FC236}">
+                <a16:creationId xmlns:a16="http://schemas.microsoft.com/office/drawing/2014/main" id="{53FB8641-F2AE-43C9-A7F8-C0B8D550094A}"/>
+              </a:ext>
+            </a:extLst>
+          </p:cNvPr>
+          <p:cNvSpPr/>
+          <p:nvPr/>
+        </p:nvSpPr>
+        <p:spPr>
+          <a:xfrm>
+            <a:off x="3746259" y="8463763"/>
+            <a:ext cx="520880" cy="343564"/>
+          </a:xfrm>
+          <a:prstGeom prst="rect">
+            <a:avLst/>
+          </a:prstGeom>
+          <a:solidFill>
+            <a:schemeClr val="tx1">
+              <a:lumMod val="95000"/>
+              <a:lumOff val="5000"/>
+            </a:schemeClr>
+          </a:solidFill>
+          <a:ln w="12700">
+            <a:solidFill>
+              <a:schemeClr val="tx1"/>
+            </a:solidFill>
+          </a:ln>
+        </p:spPr>
+        <p:style>
+          <a:lnRef idx="2">
+            <a:schemeClr val="accent1">
+              <a:shade val="50000"/>
+            </a:schemeClr>
+          </a:lnRef>
+          <a:fillRef idx="1">
+            <a:schemeClr val="accent1"/>
+          </a:fillRef>
+          <a:effectRef idx="0">
+            <a:schemeClr val="accent1"/>
+          </a:effectRef>
+          <a:fontRef idx="minor">
+            <a:schemeClr val="lt1"/>
+          </a:fontRef>
+        </p:style>
+        <p:txBody>
+          <a:bodyPr rot="0" spcFirstLastPara="0" vertOverflow="overflow" horzOverflow="overflow" vert="horz" wrap="square" lIns="91440" tIns="45720" rIns="91440" bIns="45720" numCol="1" spcCol="0" rtlCol="0" fromWordArt="0" anchor="ctr" anchorCtr="0" forceAA="0" compatLnSpc="1">
+            <a:prstTxWarp prst="textNoShape">
+              <a:avLst/>
+            </a:prstTxWarp>
+            <a:noAutofit/>
+          </a:bodyPr>
+          <a:lstStyle/>
+          <a:p>
+            <a:pPr algn="ctr"/>
+            <a:endParaRPr kumimoji="1" lang="ja-JP" altLang="en-US"/>
+          </a:p>
+        </p:txBody>
+      </p:sp>
+      <p:sp>
+        <p:nvSpPr>
+          <p:cNvPr id="90" name="十字形 89">
+            <a:extLst>
+              <a:ext uri="{FF2B5EF4-FFF2-40B4-BE49-F238E27FC236}">
+                <a16:creationId xmlns:a16="http://schemas.microsoft.com/office/drawing/2014/main" id="{91D804A2-5857-4CF5-9341-65AD618C3500}"/>
+              </a:ext>
+            </a:extLst>
+          </p:cNvPr>
+          <p:cNvSpPr/>
+          <p:nvPr/>
+        </p:nvSpPr>
+        <p:spPr>
+          <a:xfrm>
+            <a:off x="3493384" y="8544685"/>
+            <a:ext cx="195949" cy="185550"/>
+          </a:xfrm>
+          <a:prstGeom prst="plus">
+            <a:avLst>
+              <a:gd name="adj" fmla="val 37511"/>
+            </a:avLst>
+          </a:prstGeom>
+          <a:solidFill>
+            <a:schemeClr val="bg1"/>
+          </a:solidFill>
+          <a:ln>
+            <a:solidFill>
+              <a:schemeClr val="tx1"/>
+            </a:solidFill>
+          </a:ln>
+        </p:spPr>
+        <p:style>
+          <a:lnRef idx="2">
+            <a:schemeClr val="accent1">
+              <a:shade val="50000"/>
+            </a:schemeClr>
+          </a:lnRef>
+          <a:fillRef idx="1">
+            <a:schemeClr val="accent1"/>
+          </a:fillRef>
+          <a:effectRef idx="0">
+            <a:schemeClr val="accent1"/>
+          </a:effectRef>
+          <a:fontRef idx="minor">
+            <a:schemeClr val="lt1"/>
+          </a:fontRef>
+        </p:style>
+        <p:txBody>
+          <a:bodyPr rot="0" spcFirstLastPara="0" vertOverflow="overflow" horzOverflow="overflow" vert="horz" wrap="square" lIns="91440" tIns="45720" rIns="91440" bIns="45720" numCol="1" spcCol="0" rtlCol="0" fromWordArt="0" anchor="ctr" anchorCtr="0" forceAA="0" compatLnSpc="1">
+            <a:prstTxWarp prst="textNoShape">
+              <a:avLst/>
+            </a:prstTxWarp>
+            <a:noAutofit/>
+          </a:bodyPr>
+          <a:lstStyle/>
+          <a:p>
+            <a:pPr algn="ctr"/>
+            <a:endParaRPr kumimoji="1" lang="ja-JP" altLang="en-US"/>
+          </a:p>
+        </p:txBody>
+      </p:sp>
+      <p:sp>
+        <p:nvSpPr>
+          <p:cNvPr id="91" name="テキスト ボックス 90">
+            <a:extLst>
+              <a:ext uri="{FF2B5EF4-FFF2-40B4-BE49-F238E27FC236}">
+                <a16:creationId xmlns:a16="http://schemas.microsoft.com/office/drawing/2014/main" id="{6E4EA8A2-1C10-499B-BDF9-9A6C9FB82A2A}"/>
+              </a:ext>
+            </a:extLst>
+          </p:cNvPr>
+          <p:cNvSpPr txBox="1"/>
+          <p:nvPr/>
+        </p:nvSpPr>
+        <p:spPr>
+          <a:xfrm>
+            <a:off x="3663531" y="8379994"/>
+            <a:ext cx="702773" cy="461665"/>
+          </a:xfrm>
+          <a:prstGeom prst="rect">
+            <a:avLst/>
+          </a:prstGeom>
+          <a:noFill/>
+        </p:spPr>
+        <p:txBody>
+          <a:bodyPr wrap="square" rtlCol="0">
+            <a:spAutoFit/>
+          </a:bodyPr>
+          <a:lstStyle/>
+          <a:p>
+            <a:pPr algn="ctr"/>
+            <a:r>
+              <a:rPr kumimoji="1" lang="en-US" altLang="ja-JP" sz="2400" b="1" dirty="0">
+                <a:ln>
+                  <a:solidFill>
+                    <a:schemeClr val="tx1"/>
+                  </a:solidFill>
+                </a:ln>
+                <a:solidFill>
+                  <a:schemeClr val="bg1"/>
+                </a:solidFill>
+                <a:latin typeface="BIZ UDPゴシック" panose="020B0400000000000000" pitchFamily="50" charset="-128"/>
+                <a:ea typeface="BIZ UDPゴシック" panose="020B0400000000000000" pitchFamily="50" charset="-128"/>
+              </a:rPr>
+              <a:t>RB</a:t>
+            </a:r>
+            <a:endParaRPr kumimoji="1" lang="ja-JP" altLang="en-US" sz="2400" b="1" dirty="0">
               <a:ln>
                 <a:solidFill>
-                  <a:schemeClr val="accent5">
-                    <a:lumMod val="75000"/>
-                  </a:schemeClr>
+                  <a:schemeClr val="tx1"/>
                 </a:solidFill>
               </a:ln>
+              <a:solidFill>
+                <a:schemeClr val="bg1"/>
+              </a:solidFill>
+              <a:latin typeface="BIZ UDPゴシック" panose="020B0400000000000000" pitchFamily="50" charset="-128"/>
+              <a:ea typeface="BIZ UDPゴシック" panose="020B0400000000000000" pitchFamily="50" charset="-128"/>
             </a:endParaRPr>
           </a:p>
+        </p:txBody>
+      </p:sp>
+      <p:sp>
+        <p:nvSpPr>
+          <p:cNvPr id="93" name="テキスト ボックス 92">
+            <a:extLst>
+              <a:ext uri="{FF2B5EF4-FFF2-40B4-BE49-F238E27FC236}">
+                <a16:creationId xmlns:a16="http://schemas.microsoft.com/office/drawing/2014/main" id="{6B840E59-96A9-4499-ACD8-B1A3E4A2A91B}"/>
+              </a:ext>
+            </a:extLst>
+          </p:cNvPr>
+          <p:cNvSpPr txBox="1"/>
+          <p:nvPr/>
+        </p:nvSpPr>
+        <p:spPr>
+          <a:xfrm>
+            <a:off x="3789606" y="8813688"/>
+            <a:ext cx="1109509" cy="369332"/>
+          </a:xfrm>
+          <a:prstGeom prst="rect">
+            <a:avLst/>
+          </a:prstGeom>
+          <a:noFill/>
+        </p:spPr>
+        <p:txBody>
+          <a:bodyPr wrap="square" rtlCol="0">
+            <a:spAutoFit/>
+          </a:bodyPr>
+          <a:lstStyle/>
+          <a:p>
+            <a:r>
+              <a:rPr kumimoji="1" lang="ja-JP" altLang="en-US" b="1" dirty="0">
+                <a:ln w="6350">
+                  <a:solidFill>
+                    <a:schemeClr val="tx1"/>
+                  </a:solidFill>
+                </a:ln>
+                <a:solidFill>
+                  <a:schemeClr val="bg1"/>
+                </a:solidFill>
+              </a:rPr>
+              <a:t>ダッシュ</a:t>
+            </a:r>
+          </a:p>
+        </p:txBody>
+      </p:sp>
+      <p:sp>
+        <p:nvSpPr>
+          <p:cNvPr id="94" name="矢印: 右 93">
+            <a:extLst>
+              <a:ext uri="{FF2B5EF4-FFF2-40B4-BE49-F238E27FC236}">
+                <a16:creationId xmlns:a16="http://schemas.microsoft.com/office/drawing/2014/main" id="{15FAF5C4-0F01-486C-AA22-C61FE42ADA61}"/>
+              </a:ext>
+            </a:extLst>
+          </p:cNvPr>
+          <p:cNvSpPr/>
+          <p:nvPr/>
+        </p:nvSpPr>
+        <p:spPr>
+          <a:xfrm>
+            <a:off x="359142" y="9093042"/>
+            <a:ext cx="4639578" cy="218752"/>
+          </a:xfrm>
+          <a:prstGeom prst="rightArrow">
+            <a:avLst>
+              <a:gd name="adj1" fmla="val 50000"/>
+              <a:gd name="adj2" fmla="val 81279"/>
+            </a:avLst>
+          </a:prstGeom>
+          <a:solidFill>
+            <a:schemeClr val="tx1"/>
+          </a:solidFill>
+          <a:ln>
+            <a:noFill/>
+          </a:ln>
+        </p:spPr>
+        <p:style>
+          <a:lnRef idx="2">
+            <a:schemeClr val="accent1">
+              <a:shade val="50000"/>
+            </a:schemeClr>
+          </a:lnRef>
+          <a:fillRef idx="1">
+            <a:schemeClr val="accent1"/>
+          </a:fillRef>
+          <a:effectRef idx="0">
+            <a:schemeClr val="accent1"/>
+          </a:effectRef>
+          <a:fontRef idx="minor">
+            <a:schemeClr val="lt1"/>
+          </a:fontRef>
+        </p:style>
+        <p:txBody>
+          <a:bodyPr rot="0" spcFirstLastPara="0" vertOverflow="overflow" horzOverflow="overflow" vert="horz" wrap="square" lIns="91440" tIns="45720" rIns="91440" bIns="45720" numCol="1" spcCol="0" rtlCol="0" fromWordArt="0" anchor="ctr" anchorCtr="0" forceAA="0" compatLnSpc="1">
+            <a:prstTxWarp prst="textNoShape">
+              <a:avLst/>
+            </a:prstTxWarp>
+            <a:noAutofit/>
+          </a:bodyPr>
+          <a:lstStyle/>
           <a:p>
             <a:pPr algn="ctr"/>
-            <a:r>
-              <a:rPr kumimoji="1" lang="ja-JP" altLang="en-US" sz="4400" b="1" dirty="0">
+            <a:endParaRPr kumimoji="1" lang="ja-JP" altLang="en-US"/>
+          </a:p>
+        </p:txBody>
+      </p:sp>
+      <p:sp>
+        <p:nvSpPr>
+          <p:cNvPr id="95" name="テキスト ボックス 94">
+            <a:extLst>
+              <a:ext uri="{FF2B5EF4-FFF2-40B4-BE49-F238E27FC236}">
+                <a16:creationId xmlns:a16="http://schemas.microsoft.com/office/drawing/2014/main" id="{314319E3-954A-45DE-94DA-272050090052}"/>
+              </a:ext>
+            </a:extLst>
+          </p:cNvPr>
+          <p:cNvSpPr txBox="1"/>
+          <p:nvPr/>
+        </p:nvSpPr>
+        <p:spPr>
+          <a:xfrm>
+            <a:off x="29050" y="8338075"/>
+            <a:ext cx="404558" cy="1477328"/>
+          </a:xfrm>
+          <a:prstGeom prst="rect">
+            <a:avLst/>
+          </a:prstGeom>
+          <a:noFill/>
+        </p:spPr>
+        <p:txBody>
+          <a:bodyPr wrap="square" rtlCol="0">
+            <a:spAutoFit/>
+          </a:bodyPr>
+          <a:lstStyle/>
+          <a:p>
+            <a:pPr algn="ctr"/>
+            <a:r>
+              <a:rPr kumimoji="1" lang="ja-JP" altLang="en-US" sz="1500" b="1" dirty="0">
+                <a:ln w="6350">
+                  <a:solidFill>
+                    <a:schemeClr val="tx1"/>
+                  </a:solidFill>
+                </a:ln>
+                <a:solidFill>
+                  <a:schemeClr val="bg1"/>
+                </a:solidFill>
+              </a:rPr>
+              <a:t>足音の大きさ</a:t>
+            </a:r>
+          </a:p>
+        </p:txBody>
+      </p:sp>
+      <p:sp>
+        <p:nvSpPr>
+          <p:cNvPr id="96" name="テキスト ボックス 95">
+            <a:extLst>
+              <a:ext uri="{FF2B5EF4-FFF2-40B4-BE49-F238E27FC236}">
+                <a16:creationId xmlns:a16="http://schemas.microsoft.com/office/drawing/2014/main" id="{FB77A32A-D496-4014-8D7E-58B196F66069}"/>
+              </a:ext>
+            </a:extLst>
+          </p:cNvPr>
+          <p:cNvSpPr txBox="1"/>
+          <p:nvPr/>
+        </p:nvSpPr>
+        <p:spPr>
+          <a:xfrm>
+            <a:off x="1826126" y="9245951"/>
+            <a:ext cx="391186" cy="461665"/>
+          </a:xfrm>
+          <a:prstGeom prst="rect">
+            <a:avLst/>
+          </a:prstGeom>
+          <a:noFill/>
+        </p:spPr>
+        <p:txBody>
+          <a:bodyPr wrap="square" rtlCol="0">
+            <a:spAutoFit/>
+          </a:bodyPr>
+          <a:lstStyle/>
+          <a:p>
+            <a:pPr algn="ctr"/>
+            <a:r>
+              <a:rPr kumimoji="1" lang="ja-JP" altLang="en-US" sz="2400" b="1" dirty="0">
                 <a:ln>
                   <a:solidFill>
-                    <a:schemeClr val="accent5">
-                      <a:lumMod val="75000"/>
-                    </a:schemeClr>
+                    <a:schemeClr val="tx1"/>
                   </a:solidFill>
                 </a:ln>
+                <a:solidFill>
+                  <a:schemeClr val="bg1"/>
+                </a:solidFill>
               </a:rPr>
-              <a:t>集めて脱出しろ！</a:t>
+              <a:t>小</a:t>
+            </a:r>
+          </a:p>
+        </p:txBody>
+      </p:sp>
+      <p:sp>
+        <p:nvSpPr>
+          <p:cNvPr id="97" name="テキスト ボックス 96">
+            <a:extLst>
+              <a:ext uri="{FF2B5EF4-FFF2-40B4-BE49-F238E27FC236}">
+                <a16:creationId xmlns:a16="http://schemas.microsoft.com/office/drawing/2014/main" id="{3FB06CBC-2C41-4357-896B-F013CBB7FDCB}"/>
+              </a:ext>
+            </a:extLst>
+          </p:cNvPr>
+          <p:cNvSpPr txBox="1"/>
+          <p:nvPr/>
+        </p:nvSpPr>
+        <p:spPr>
+          <a:xfrm>
+            <a:off x="478679" y="9254663"/>
+            <a:ext cx="391186" cy="461665"/>
+          </a:xfrm>
+          <a:prstGeom prst="rect">
+            <a:avLst/>
+          </a:prstGeom>
+          <a:noFill/>
+        </p:spPr>
+        <p:txBody>
+          <a:bodyPr wrap="square" rtlCol="0">
+            <a:spAutoFit/>
+          </a:bodyPr>
+          <a:lstStyle/>
+          <a:p>
+            <a:pPr algn="ctr"/>
+            <a:r>
+              <a:rPr kumimoji="1" lang="ja-JP" altLang="en-US" sz="2400" b="1" dirty="0">
+                <a:ln>
+                  <a:solidFill>
+                    <a:schemeClr val="tx1"/>
+                  </a:solidFill>
+                </a:ln>
+                <a:solidFill>
+                  <a:schemeClr val="bg1"/>
+                </a:solidFill>
+              </a:rPr>
+              <a:t>無</a:t>
+            </a:r>
+          </a:p>
+        </p:txBody>
+      </p:sp>
+      <p:sp>
+        <p:nvSpPr>
+          <p:cNvPr id="98" name="テキスト ボックス 97">
+            <a:extLst>
+              <a:ext uri="{FF2B5EF4-FFF2-40B4-BE49-F238E27FC236}">
+                <a16:creationId xmlns:a16="http://schemas.microsoft.com/office/drawing/2014/main" id="{E58CE4E8-5E16-42CC-B209-F33710AF52FF}"/>
+              </a:ext>
+            </a:extLst>
+          </p:cNvPr>
+          <p:cNvSpPr txBox="1"/>
+          <p:nvPr/>
+        </p:nvSpPr>
+        <p:spPr>
+          <a:xfrm>
+            <a:off x="3210862" y="9258143"/>
+            <a:ext cx="391186" cy="461665"/>
+          </a:xfrm>
+          <a:prstGeom prst="rect">
+            <a:avLst/>
+          </a:prstGeom>
+          <a:noFill/>
+        </p:spPr>
+        <p:txBody>
+          <a:bodyPr wrap="square" rtlCol="0">
+            <a:spAutoFit/>
+          </a:bodyPr>
+          <a:lstStyle/>
+          <a:p>
+            <a:pPr algn="ctr"/>
+            <a:r>
+              <a:rPr kumimoji="1" lang="ja-JP" altLang="en-US" sz="2400" b="1" dirty="0">
+                <a:ln>
+                  <a:solidFill>
+                    <a:schemeClr val="tx1"/>
+                  </a:solidFill>
+                </a:ln>
+                <a:solidFill>
+                  <a:schemeClr val="bg1"/>
+                </a:solidFill>
+              </a:rPr>
+              <a:t>大</a:t>
+            </a:r>
+          </a:p>
+        </p:txBody>
+      </p:sp>
+      <p:sp>
+        <p:nvSpPr>
+          <p:cNvPr id="99" name="テキスト ボックス 98">
+            <a:extLst>
+              <a:ext uri="{FF2B5EF4-FFF2-40B4-BE49-F238E27FC236}">
+                <a16:creationId xmlns:a16="http://schemas.microsoft.com/office/drawing/2014/main" id="{4AC8F2F9-F034-4A71-85C1-BCF4C1CFD545}"/>
+              </a:ext>
+            </a:extLst>
+          </p:cNvPr>
+          <p:cNvSpPr txBox="1"/>
+          <p:nvPr/>
+        </p:nvSpPr>
+        <p:spPr>
+          <a:xfrm>
+            <a:off x="4886769" y="8923739"/>
+            <a:ext cx="1981826" cy="615553"/>
+          </a:xfrm>
+          <a:prstGeom prst="rect">
+            <a:avLst/>
+          </a:prstGeom>
+          <a:noFill/>
+        </p:spPr>
+        <p:txBody>
+          <a:bodyPr wrap="square" rtlCol="0">
+            <a:spAutoFit/>
+          </a:bodyPr>
+          <a:lstStyle/>
+          <a:p>
+            <a:pPr algn="ctr"/>
+            <a:r>
+              <a:rPr kumimoji="1" lang="ja-JP" altLang="en-US" sz="1700" b="1" dirty="0">
+                <a:ln w="6350">
+                  <a:solidFill>
+                    <a:schemeClr val="tx1"/>
+                  </a:solidFill>
+                </a:ln>
+                <a:solidFill>
+                  <a:schemeClr val="bg1"/>
+                </a:solidFill>
+                <a:latin typeface="+mn-ea"/>
+              </a:rPr>
+              <a:t>足音を意識して</a:t>
+            </a:r>
+            <a:endParaRPr kumimoji="1" lang="en-US" altLang="ja-JP" sz="1700" b="1" dirty="0">
+              <a:ln w="6350">
+                <a:solidFill>
+                  <a:schemeClr val="tx1"/>
+                </a:solidFill>
+              </a:ln>
+              <a:solidFill>
+                <a:schemeClr val="bg1"/>
+              </a:solidFill>
+              <a:latin typeface="+mn-ea"/>
+            </a:endParaRPr>
+          </a:p>
+          <a:p>
+            <a:pPr algn="ctr"/>
+            <a:r>
+              <a:rPr kumimoji="1" lang="ja-JP" altLang="en-US" sz="1700" b="1" dirty="0">
+                <a:ln w="6350">
+                  <a:solidFill>
+                    <a:schemeClr val="tx1"/>
+                  </a:solidFill>
+                </a:ln>
+                <a:solidFill>
+                  <a:schemeClr val="bg1"/>
+                </a:solidFill>
+                <a:latin typeface="+mn-ea"/>
+              </a:rPr>
+              <a:t>危機から逃れよう</a:t>
             </a:r>
           </a:p>
         </p:txBody>
       </p:sp>
       <p:pic>
         <p:nvPicPr>
-          <p:cNvPr id="3" name="図 2">
+          <p:cNvPr id="100" name="図 99">
             <a:extLst>
               <a:ext uri="{FF2B5EF4-FFF2-40B4-BE49-F238E27FC236}">
-                <a16:creationId xmlns:a16="http://schemas.microsoft.com/office/drawing/2014/main" id="{4652A47F-114E-481F-BD69-81CFB41B1961}"/>
+                <a16:creationId xmlns:a16="http://schemas.microsoft.com/office/drawing/2014/main" id="{17BA1EA5-0EF9-4323-BFD8-C817B219B7F8}"/>
               </a:ext>
             </a:extLst>
           </p:cNvPr>
@@ -4128,26 +6182,32 @@
           </p:cNvPicPr>
           <p:nvPr/>
         </p:nvPicPr>
-        <p:blipFill>
-          <a:blip r:embed="rId5">
+        <p:blipFill rotWithShape="1">
+          <a:blip r:embed="rId7">
             <a:extLst>
               <a:ext uri="{28A0092B-C50C-407E-A947-70E740481C1C}">
                 <a14:useLocalDpi xmlns:a14="http://schemas.microsoft.com/office/drawing/2010/main" val="0"/>
               </a:ext>
             </a:extLst>
           </a:blip>
-          <a:stretch>
-            <a:fillRect/>
-          </a:stretch>
+          <a:srcRect l="12890" t="28926" r="10658" b="30316"/>
+          <a:stretch/>
         </p:blipFill>
         <p:spPr>
           <a:xfrm>
-            <a:off x="5543360" y="3245939"/>
-            <a:ext cx="1198860" cy="740037"/>
+            <a:off x="71082" y="2904741"/>
+            <a:ext cx="2116455" cy="1128359"/>
           </a:xfrm>
           <a:prstGeom prst="rect">
             <a:avLst/>
           </a:prstGeom>
+          <a:noFill/>
+          <a:effectLst>
+            <a:glow rad="63500">
+              <a:schemeClr val="bg1"/>
+            </a:glow>
+            <a:softEdge rad="0"/>
+          </a:effectLst>
         </p:spPr>
       </p:pic>
     </p:spTree>
@@ -4414,7 +6474,42 @@
       </a:bgFillStyleLst>
     </a:fmtScheme>
   </a:themeElements>
-  <a:objectDefaults/>
+  <a:objectDefaults>
+    <a:spDef>
+      <a:spPr>
+        <a:solidFill>
+          <a:schemeClr val="bg2">
+            <a:lumMod val="25000"/>
+          </a:schemeClr>
+        </a:solidFill>
+        <a:ln>
+          <a:noFill/>
+        </a:ln>
+      </a:spPr>
+      <a:bodyPr rtlCol="0" anchor="ctr"/>
+      <a:lstStyle>
+        <a:defPPr algn="ctr">
+          <a:defRPr kumimoji="1"/>
+        </a:defPPr>
+      </a:lstStyle>
+      <a:style>
+        <a:lnRef idx="2">
+          <a:schemeClr val="accent1">
+            <a:shade val="50000"/>
+          </a:schemeClr>
+        </a:lnRef>
+        <a:fillRef idx="1">
+          <a:schemeClr val="accent1"/>
+        </a:fillRef>
+        <a:effectRef idx="0">
+          <a:schemeClr val="accent1"/>
+        </a:effectRef>
+        <a:fontRef idx="minor">
+          <a:schemeClr val="lt1"/>
+        </a:fontRef>
+      </a:style>
+    </a:spDef>
+  </a:objectDefaults>
   <a:extraClrSchemeLst/>
   <a:extLst>
     <a:ext uri="{05A4C25C-085E-4340-85A3-A5531E510DB2}">

--- a/コントローラー説明書.pptx
+++ b/コントローラー説明書.pptx
@@ -243,7 +243,7 @@
           <a:p>
             <a:fld id="{E5AC3BCB-4990-47D2-9408-AD8F7647A033}" type="datetimeFigureOut">
               <a:rPr kumimoji="1" lang="ja-JP" altLang="en-US" smtClean="0"/>
-              <a:t>2023/3/24</a:t>
+              <a:t>2023/3/27</a:t>
             </a:fld>
             <a:endParaRPr kumimoji="1" lang="ja-JP" altLang="en-US"/>
           </a:p>
@@ -445,7 +445,7 @@
           <a:p>
             <a:fld id="{E5AC3BCB-4990-47D2-9408-AD8F7647A033}" type="datetimeFigureOut">
               <a:rPr kumimoji="1" lang="ja-JP" altLang="en-US" smtClean="0"/>
-              <a:t>2023/3/24</a:t>
+              <a:t>2023/3/27</a:t>
             </a:fld>
             <a:endParaRPr kumimoji="1" lang="ja-JP" altLang="en-US"/>
           </a:p>
@@ -657,7 +657,7 @@
           <a:p>
             <a:fld id="{E5AC3BCB-4990-47D2-9408-AD8F7647A033}" type="datetimeFigureOut">
               <a:rPr kumimoji="1" lang="ja-JP" altLang="en-US" smtClean="0"/>
-              <a:t>2023/3/24</a:t>
+              <a:t>2023/3/27</a:t>
             </a:fld>
             <a:endParaRPr kumimoji="1" lang="ja-JP" altLang="en-US"/>
           </a:p>
@@ -859,7 +859,7 @@
           <a:p>
             <a:fld id="{E5AC3BCB-4990-47D2-9408-AD8F7647A033}" type="datetimeFigureOut">
               <a:rPr kumimoji="1" lang="ja-JP" altLang="en-US" smtClean="0"/>
-              <a:t>2023/3/24</a:t>
+              <a:t>2023/3/27</a:t>
             </a:fld>
             <a:endParaRPr kumimoji="1" lang="ja-JP" altLang="en-US"/>
           </a:p>
@@ -1103,7 +1103,7 @@
           <a:p>
             <a:fld id="{E5AC3BCB-4990-47D2-9408-AD8F7647A033}" type="datetimeFigureOut">
               <a:rPr kumimoji="1" lang="ja-JP" altLang="en-US" smtClean="0"/>
-              <a:t>2023/3/24</a:t>
+              <a:t>2023/3/27</a:t>
             </a:fld>
             <a:endParaRPr kumimoji="1" lang="ja-JP" altLang="en-US"/>
           </a:p>
@@ -1399,7 +1399,7 @@
           <a:p>
             <a:fld id="{E5AC3BCB-4990-47D2-9408-AD8F7647A033}" type="datetimeFigureOut">
               <a:rPr kumimoji="1" lang="ja-JP" altLang="en-US" smtClean="0"/>
-              <a:t>2023/3/24</a:t>
+              <a:t>2023/3/27</a:t>
             </a:fld>
             <a:endParaRPr kumimoji="1" lang="ja-JP" altLang="en-US"/>
           </a:p>
@@ -1830,7 +1830,7 @@
           <a:p>
             <a:fld id="{E5AC3BCB-4990-47D2-9408-AD8F7647A033}" type="datetimeFigureOut">
               <a:rPr kumimoji="1" lang="ja-JP" altLang="en-US" smtClean="0"/>
-              <a:t>2023/3/24</a:t>
+              <a:t>2023/3/27</a:t>
             </a:fld>
             <a:endParaRPr kumimoji="1" lang="ja-JP" altLang="en-US"/>
           </a:p>
@@ -1948,7 +1948,7 @@
           <a:p>
             <a:fld id="{E5AC3BCB-4990-47D2-9408-AD8F7647A033}" type="datetimeFigureOut">
               <a:rPr kumimoji="1" lang="ja-JP" altLang="en-US" smtClean="0"/>
-              <a:t>2023/3/24</a:t>
+              <a:t>2023/3/27</a:t>
             </a:fld>
             <a:endParaRPr kumimoji="1" lang="ja-JP" altLang="en-US"/>
           </a:p>
@@ -2043,7 +2043,7 @@
           <a:p>
             <a:fld id="{E5AC3BCB-4990-47D2-9408-AD8F7647A033}" type="datetimeFigureOut">
               <a:rPr kumimoji="1" lang="ja-JP" altLang="en-US" smtClean="0"/>
-              <a:t>2023/3/24</a:t>
+              <a:t>2023/3/27</a:t>
             </a:fld>
             <a:endParaRPr kumimoji="1" lang="ja-JP" altLang="en-US"/>
           </a:p>
@@ -2352,7 +2352,7 @@
           <a:p>
             <a:fld id="{E5AC3BCB-4990-47D2-9408-AD8F7647A033}" type="datetimeFigureOut">
               <a:rPr kumimoji="1" lang="ja-JP" altLang="en-US" smtClean="0"/>
-              <a:t>2023/3/24</a:t>
+              <a:t>2023/3/27</a:t>
             </a:fld>
             <a:endParaRPr kumimoji="1" lang="ja-JP" altLang="en-US"/>
           </a:p>
@@ -2609,7 +2609,7 @@
           <a:p>
             <a:fld id="{E5AC3BCB-4990-47D2-9408-AD8F7647A033}" type="datetimeFigureOut">
               <a:rPr kumimoji="1" lang="ja-JP" altLang="en-US" smtClean="0"/>
-              <a:t>2023/3/24</a:t>
+              <a:t>2023/3/27</a:t>
             </a:fld>
             <a:endParaRPr kumimoji="1" lang="ja-JP" altLang="en-US"/>
           </a:p>
@@ -2854,7 +2854,7 @@
           <a:p>
             <a:fld id="{E5AC3BCB-4990-47D2-9408-AD8F7647A033}" type="datetimeFigureOut">
               <a:rPr kumimoji="1" lang="ja-JP" altLang="en-US" smtClean="0"/>
-              <a:t>2023/3/24</a:t>
+              <a:t>2023/3/27</a:t>
             </a:fld>
             <a:endParaRPr kumimoji="1" lang="ja-JP" altLang="en-US"/>
           </a:p>
@@ -4648,7 +4648,7 @@
                 </a:solidFill>
                 <a:latin typeface="+mn-ea"/>
               </a:rPr>
-              <a:t>敵は視界にプレイヤーが入るか近くで足音を鳴った場合に</a:t>
+              <a:t>敵は視界にプレイヤーが入るか近くで足音が鳴った場合に</a:t>
             </a:r>
             <a:endParaRPr kumimoji="1" lang="en-US" altLang="ja-JP" sz="2000" b="1" dirty="0">
               <a:ln w="6350">
